--- a/训练中心创客交叉融合空间建设/admin/新大楼规划建设/创客场地申请/老楼创客空间团队室.pptx
+++ b/训练中心创客交叉融合空间建设/admin/新大楼规划建设/创客场地申请/老楼创客空间团队室.pptx
@@ -4,6 +4,9 @@
   <p:sldMasterIdLst>
     <p:sldMasterId id="2147483648" r:id="rId1"/>
   </p:sldMasterIdLst>
+  <p:notesMasterIdLst>
+    <p:notesMasterId r:id="rId3"/>
+  </p:notesMasterIdLst>
   <p:sldIdLst>
     <p:sldId id="256" r:id="rId2"/>
   </p:sldIdLst>
@@ -105,6 +108,440 @@
     </a:lvl9pPr>
   </p:defaultTextStyle>
 </p:presentation>
+</file>
+
+<file path=ppt/notesMasters/notesMaster1.xml><?xml version="1.0" encoding="utf-8"?>
+<p:notesMaster xmlns:a="http://schemas.openxmlformats.org/drawingml/2006/main" xmlns:r="http://schemas.openxmlformats.org/officeDocument/2006/relationships" xmlns:p="http://schemas.openxmlformats.org/presentationml/2006/main">
+  <p:cSld>
+    <p:bg>
+      <p:bgRef idx="1001">
+        <a:schemeClr val="bg1"/>
+      </p:bgRef>
+    </p:bg>
+    <p:spTree>
+      <p:nvGrpSpPr>
+        <p:cNvPr id="1" name=""/>
+        <p:cNvGrpSpPr/>
+        <p:nvPr/>
+      </p:nvGrpSpPr>
+      <p:grpSpPr>
+        <a:xfrm>
+          <a:off x="0" y="0"/>
+          <a:ext cx="0" cy="0"/>
+          <a:chOff x="0" y="0"/>
+          <a:chExt cx="0" cy="0"/>
+        </a:xfrm>
+      </p:grpSpPr>
+      <p:sp>
+        <p:nvSpPr>
+          <p:cNvPr id="2" name="页眉占位符 1"/>
+          <p:cNvSpPr>
+            <a:spLocks noGrp="1"/>
+          </p:cNvSpPr>
+          <p:nvPr>
+            <p:ph type="hdr" sz="quarter"/>
+          </p:nvPr>
+        </p:nvSpPr>
+        <p:spPr>
+          <a:xfrm>
+            <a:off x="0" y="0"/>
+            <a:ext cx="2971800" cy="457200"/>
+          </a:xfrm>
+          <a:prstGeom prst="rect">
+            <a:avLst/>
+          </a:prstGeom>
+        </p:spPr>
+        <p:txBody>
+          <a:bodyPr vert="horz" lIns="91440" tIns="45720" rIns="91440" bIns="45720" rtlCol="0"/>
+          <a:lstStyle>
+            <a:lvl1pPr algn="l">
+              <a:defRPr sz="1200"/>
+            </a:lvl1pPr>
+          </a:lstStyle>
+          <a:p>
+            <a:endParaRPr kumimoji="1" lang="zh-CN" altLang="en-US"/>
+          </a:p>
+        </p:txBody>
+      </p:sp>
+      <p:sp>
+        <p:nvSpPr>
+          <p:cNvPr id="3" name="日期占位符 2"/>
+          <p:cNvSpPr>
+            <a:spLocks noGrp="1"/>
+          </p:cNvSpPr>
+          <p:nvPr>
+            <p:ph type="dt" idx="1"/>
+          </p:nvPr>
+        </p:nvSpPr>
+        <p:spPr>
+          <a:xfrm>
+            <a:off x="3884613" y="0"/>
+            <a:ext cx="2971800" cy="457200"/>
+          </a:xfrm>
+          <a:prstGeom prst="rect">
+            <a:avLst/>
+          </a:prstGeom>
+        </p:spPr>
+        <p:txBody>
+          <a:bodyPr vert="horz" lIns="91440" tIns="45720" rIns="91440" bIns="45720" rtlCol="0"/>
+          <a:lstStyle>
+            <a:lvl1pPr algn="r">
+              <a:defRPr sz="1200"/>
+            </a:lvl1pPr>
+          </a:lstStyle>
+          <a:p>
+            <a:fld id="{6ECD8F5A-D76D-994D-8C7A-2BF7180778CC}" type="datetimeFigureOut">
+              <a:rPr kumimoji="1" lang="zh-CN" altLang="en-US" smtClean="0"/>
+              <a:t>15/10/9</a:t>
+            </a:fld>
+            <a:endParaRPr kumimoji="1" lang="zh-CN" altLang="en-US"/>
+          </a:p>
+        </p:txBody>
+      </p:sp>
+      <p:sp>
+        <p:nvSpPr>
+          <p:cNvPr id="4" name="幻灯片图像占位符 3"/>
+          <p:cNvSpPr>
+            <a:spLocks noGrp="1" noRot="1" noChangeAspect="1"/>
+          </p:cNvSpPr>
+          <p:nvPr>
+            <p:ph type="sldImg" idx="2"/>
+          </p:nvPr>
+        </p:nvSpPr>
+        <p:spPr>
+          <a:xfrm>
+            <a:off x="1143000" y="685800"/>
+            <a:ext cx="4572000" cy="3429000"/>
+          </a:xfrm>
+          <a:prstGeom prst="rect">
+            <a:avLst/>
+          </a:prstGeom>
+          <a:noFill/>
+          <a:ln w="12700">
+            <a:solidFill>
+              <a:prstClr val="black"/>
+            </a:solidFill>
+          </a:ln>
+        </p:spPr>
+        <p:txBody>
+          <a:bodyPr vert="horz" lIns="91440" tIns="45720" rIns="91440" bIns="45720" rtlCol="0" anchor="ctr"/>
+          <a:lstStyle/>
+          <a:p>
+            <a:endParaRPr lang="zh-CN" altLang="en-US"/>
+          </a:p>
+        </p:txBody>
+      </p:sp>
+      <p:sp>
+        <p:nvSpPr>
+          <p:cNvPr id="5" name="备注占位符 4"/>
+          <p:cNvSpPr>
+            <a:spLocks noGrp="1"/>
+          </p:cNvSpPr>
+          <p:nvPr>
+            <p:ph type="body" sz="quarter" idx="3"/>
+          </p:nvPr>
+        </p:nvSpPr>
+        <p:spPr>
+          <a:xfrm>
+            <a:off x="685800" y="4343400"/>
+            <a:ext cx="5486400" cy="4114800"/>
+          </a:xfrm>
+          <a:prstGeom prst="rect">
+            <a:avLst/>
+          </a:prstGeom>
+        </p:spPr>
+        <p:txBody>
+          <a:bodyPr vert="horz" lIns="91440" tIns="45720" rIns="91440" bIns="45720" rtlCol="0"/>
+          <a:lstStyle/>
+          <a:p>
+            <a:pPr lvl="0"/>
+            <a:r>
+              <a:rPr kumimoji="1" lang="zh-CN" altLang="en-US" smtClean="0"/>
+              <a:t>单击此处编辑母版文本样式</a:t>
+            </a:r>
+          </a:p>
+          <a:p>
+            <a:pPr lvl="1"/>
+            <a:r>
+              <a:rPr kumimoji="1" lang="zh-CN" altLang="en-US" smtClean="0"/>
+              <a:t>二级</a:t>
+            </a:r>
+          </a:p>
+          <a:p>
+            <a:pPr lvl="2"/>
+            <a:r>
+              <a:rPr kumimoji="1" lang="zh-CN" altLang="en-US" smtClean="0"/>
+              <a:t>三级</a:t>
+            </a:r>
+          </a:p>
+          <a:p>
+            <a:pPr lvl="3"/>
+            <a:r>
+              <a:rPr kumimoji="1" lang="zh-CN" altLang="en-US" smtClean="0"/>
+              <a:t>四级</a:t>
+            </a:r>
+          </a:p>
+          <a:p>
+            <a:pPr lvl="4"/>
+            <a:r>
+              <a:rPr kumimoji="1" lang="zh-CN" altLang="en-US" smtClean="0"/>
+              <a:t>五级</a:t>
+            </a:r>
+            <a:endParaRPr kumimoji="1" lang="zh-CN" altLang="en-US"/>
+          </a:p>
+        </p:txBody>
+      </p:sp>
+      <p:sp>
+        <p:nvSpPr>
+          <p:cNvPr id="6" name="页脚占位符 5"/>
+          <p:cNvSpPr>
+            <a:spLocks noGrp="1"/>
+          </p:cNvSpPr>
+          <p:nvPr>
+            <p:ph type="ftr" sz="quarter" idx="4"/>
+          </p:nvPr>
+        </p:nvSpPr>
+        <p:spPr>
+          <a:xfrm>
+            <a:off x="0" y="8685213"/>
+            <a:ext cx="2971800" cy="457200"/>
+          </a:xfrm>
+          <a:prstGeom prst="rect">
+            <a:avLst/>
+          </a:prstGeom>
+        </p:spPr>
+        <p:txBody>
+          <a:bodyPr vert="horz" lIns="91440" tIns="45720" rIns="91440" bIns="45720" rtlCol="0" anchor="b"/>
+          <a:lstStyle>
+            <a:lvl1pPr algn="l">
+              <a:defRPr sz="1200"/>
+            </a:lvl1pPr>
+          </a:lstStyle>
+          <a:p>
+            <a:endParaRPr kumimoji="1" lang="zh-CN" altLang="en-US"/>
+          </a:p>
+        </p:txBody>
+      </p:sp>
+      <p:sp>
+        <p:nvSpPr>
+          <p:cNvPr id="7" name="幻灯片编号占位符 6"/>
+          <p:cNvSpPr>
+            <a:spLocks noGrp="1"/>
+          </p:cNvSpPr>
+          <p:nvPr>
+            <p:ph type="sldNum" sz="quarter" idx="5"/>
+          </p:nvPr>
+        </p:nvSpPr>
+        <p:spPr>
+          <a:xfrm>
+            <a:off x="3884613" y="8685213"/>
+            <a:ext cx="2971800" cy="457200"/>
+          </a:xfrm>
+          <a:prstGeom prst="rect">
+            <a:avLst/>
+          </a:prstGeom>
+        </p:spPr>
+        <p:txBody>
+          <a:bodyPr vert="horz" lIns="91440" tIns="45720" rIns="91440" bIns="45720" rtlCol="0" anchor="b"/>
+          <a:lstStyle>
+            <a:lvl1pPr algn="r">
+              <a:defRPr sz="1200"/>
+            </a:lvl1pPr>
+          </a:lstStyle>
+          <a:p>
+            <a:fld id="{DB73B1D3-3D71-614F-832A-B3A373EFE276}" type="slidenum">
+              <a:rPr kumimoji="1" lang="zh-CN" altLang="en-US" smtClean="0"/>
+              <a:t>‹#›</a:t>
+            </a:fld>
+            <a:endParaRPr kumimoji="1" lang="zh-CN" altLang="en-US"/>
+          </a:p>
+        </p:txBody>
+      </p:sp>
+    </p:spTree>
+    <p:extLst>
+      <p:ext uri="{BB962C8B-B14F-4D97-AF65-F5344CB8AC3E}">
+        <p14:creationId xmlns:p14="http://schemas.microsoft.com/office/powerpoint/2010/main" val="2409921561"/>
+      </p:ext>
+    </p:extLst>
+  </p:cSld>
+  <p:clrMap bg1="lt1" tx1="dk1" bg2="lt2" tx2="dk2" accent1="accent1" accent2="accent2" accent3="accent3" accent4="accent4" accent5="accent5" accent6="accent6" hlink="hlink" folHlink="folHlink"/>
+  <p:notesStyle>
+    <a:lvl1pPr marL="0" algn="l" defTabSz="457200" rtl="0" eaLnBrk="1" latinLnBrk="0" hangingPunct="1">
+      <a:defRPr sz="1200" kern="1200">
+        <a:solidFill>
+          <a:schemeClr val="tx1"/>
+        </a:solidFill>
+        <a:latin typeface="+mn-lt"/>
+        <a:ea typeface="+mn-ea"/>
+        <a:cs typeface="+mn-cs"/>
+      </a:defRPr>
+    </a:lvl1pPr>
+    <a:lvl2pPr marL="457200" algn="l" defTabSz="457200" rtl="0" eaLnBrk="1" latinLnBrk="0" hangingPunct="1">
+      <a:defRPr sz="1200" kern="1200">
+        <a:solidFill>
+          <a:schemeClr val="tx1"/>
+        </a:solidFill>
+        <a:latin typeface="+mn-lt"/>
+        <a:ea typeface="+mn-ea"/>
+        <a:cs typeface="+mn-cs"/>
+      </a:defRPr>
+    </a:lvl2pPr>
+    <a:lvl3pPr marL="914400" algn="l" defTabSz="457200" rtl="0" eaLnBrk="1" latinLnBrk="0" hangingPunct="1">
+      <a:defRPr sz="1200" kern="1200">
+        <a:solidFill>
+          <a:schemeClr val="tx1"/>
+        </a:solidFill>
+        <a:latin typeface="+mn-lt"/>
+        <a:ea typeface="+mn-ea"/>
+        <a:cs typeface="+mn-cs"/>
+      </a:defRPr>
+    </a:lvl3pPr>
+    <a:lvl4pPr marL="1371600" algn="l" defTabSz="457200" rtl="0" eaLnBrk="1" latinLnBrk="0" hangingPunct="1">
+      <a:defRPr sz="1200" kern="1200">
+        <a:solidFill>
+          <a:schemeClr val="tx1"/>
+        </a:solidFill>
+        <a:latin typeface="+mn-lt"/>
+        <a:ea typeface="+mn-ea"/>
+        <a:cs typeface="+mn-cs"/>
+      </a:defRPr>
+    </a:lvl4pPr>
+    <a:lvl5pPr marL="1828800" algn="l" defTabSz="457200" rtl="0" eaLnBrk="1" latinLnBrk="0" hangingPunct="1">
+      <a:defRPr sz="1200" kern="1200">
+        <a:solidFill>
+          <a:schemeClr val="tx1"/>
+        </a:solidFill>
+        <a:latin typeface="+mn-lt"/>
+        <a:ea typeface="+mn-ea"/>
+        <a:cs typeface="+mn-cs"/>
+      </a:defRPr>
+    </a:lvl5pPr>
+    <a:lvl6pPr marL="2286000" algn="l" defTabSz="457200" rtl="0" eaLnBrk="1" latinLnBrk="0" hangingPunct="1">
+      <a:defRPr sz="1200" kern="1200">
+        <a:solidFill>
+          <a:schemeClr val="tx1"/>
+        </a:solidFill>
+        <a:latin typeface="+mn-lt"/>
+        <a:ea typeface="+mn-ea"/>
+        <a:cs typeface="+mn-cs"/>
+      </a:defRPr>
+    </a:lvl6pPr>
+    <a:lvl7pPr marL="2743200" algn="l" defTabSz="457200" rtl="0" eaLnBrk="1" latinLnBrk="0" hangingPunct="1">
+      <a:defRPr sz="1200" kern="1200">
+        <a:solidFill>
+          <a:schemeClr val="tx1"/>
+        </a:solidFill>
+        <a:latin typeface="+mn-lt"/>
+        <a:ea typeface="+mn-ea"/>
+        <a:cs typeface="+mn-cs"/>
+      </a:defRPr>
+    </a:lvl7pPr>
+    <a:lvl8pPr marL="3200400" algn="l" defTabSz="457200" rtl="0" eaLnBrk="1" latinLnBrk="0" hangingPunct="1">
+      <a:defRPr sz="1200" kern="1200">
+        <a:solidFill>
+          <a:schemeClr val="tx1"/>
+        </a:solidFill>
+        <a:latin typeface="+mn-lt"/>
+        <a:ea typeface="+mn-ea"/>
+        <a:cs typeface="+mn-cs"/>
+      </a:defRPr>
+    </a:lvl8pPr>
+    <a:lvl9pPr marL="3657600" algn="l" defTabSz="457200" rtl="0" eaLnBrk="1" latinLnBrk="0" hangingPunct="1">
+      <a:defRPr sz="1200" kern="1200">
+        <a:solidFill>
+          <a:schemeClr val="tx1"/>
+        </a:solidFill>
+        <a:latin typeface="+mn-lt"/>
+        <a:ea typeface="+mn-ea"/>
+        <a:cs typeface="+mn-cs"/>
+      </a:defRPr>
+    </a:lvl9pPr>
+  </p:notesStyle>
+</p:notesMaster>
+</file>
+
+<file path=ppt/notesSlides/notesSlide1.xml><?xml version="1.0" encoding="utf-8"?>
+<p:notes xmlns:a="http://schemas.openxmlformats.org/drawingml/2006/main" xmlns:r="http://schemas.openxmlformats.org/officeDocument/2006/relationships" xmlns:p="http://schemas.openxmlformats.org/presentationml/2006/main">
+  <p:cSld>
+    <p:spTree>
+      <p:nvGrpSpPr>
+        <p:cNvPr id="1" name=""/>
+        <p:cNvGrpSpPr/>
+        <p:nvPr/>
+      </p:nvGrpSpPr>
+      <p:grpSpPr>
+        <a:xfrm>
+          <a:off x="0" y="0"/>
+          <a:ext cx="0" cy="0"/>
+          <a:chOff x="0" y="0"/>
+          <a:chExt cx="0" cy="0"/>
+        </a:xfrm>
+      </p:grpSpPr>
+      <p:sp>
+        <p:nvSpPr>
+          <p:cNvPr id="2" name="幻灯片图像占位符 1"/>
+          <p:cNvSpPr>
+            <a:spLocks noGrp="1" noRot="1" noChangeAspect="1"/>
+          </p:cNvSpPr>
+          <p:nvPr>
+            <p:ph type="sldImg"/>
+          </p:nvPr>
+        </p:nvSpPr>
+        <p:spPr/>
+      </p:sp>
+      <p:sp>
+        <p:nvSpPr>
+          <p:cNvPr id="3" name="备注占位符 2"/>
+          <p:cNvSpPr>
+            <a:spLocks noGrp="1"/>
+          </p:cNvSpPr>
+          <p:nvPr>
+            <p:ph type="body" idx="1"/>
+          </p:nvPr>
+        </p:nvSpPr>
+        <p:spPr/>
+        <p:txBody>
+          <a:bodyPr/>
+          <a:lstStyle/>
+          <a:p>
+            <a:endParaRPr kumimoji="1" lang="zh-CN" altLang="en-US" dirty="0"/>
+          </a:p>
+        </p:txBody>
+      </p:sp>
+      <p:sp>
+        <p:nvSpPr>
+          <p:cNvPr id="4" name="幻灯片编号占位符 3"/>
+          <p:cNvSpPr>
+            <a:spLocks noGrp="1"/>
+          </p:cNvSpPr>
+          <p:nvPr>
+            <p:ph type="sldNum" sz="quarter" idx="10"/>
+          </p:nvPr>
+        </p:nvSpPr>
+        <p:spPr/>
+        <p:txBody>
+          <a:bodyPr/>
+          <a:lstStyle/>
+          <a:p>
+            <a:fld id="{DB73B1D3-3D71-614F-832A-B3A373EFE276}" type="slidenum">
+              <a:rPr kumimoji="1" lang="zh-CN" altLang="en-US" smtClean="0"/>
+              <a:t>1</a:t>
+            </a:fld>
+            <a:endParaRPr kumimoji="1" lang="zh-CN" altLang="en-US"/>
+          </a:p>
+        </p:txBody>
+      </p:sp>
+    </p:spTree>
+    <p:extLst>
+      <p:ext uri="{BB962C8B-B14F-4D97-AF65-F5344CB8AC3E}">
+        <p14:creationId xmlns:p14="http://schemas.microsoft.com/office/powerpoint/2010/main" val="384631938"/>
+      </p:ext>
+    </p:extLst>
+  </p:cSld>
+  <p:clrMapOvr>
+    <a:masterClrMapping/>
+  </p:clrMapOvr>
+</p:notes>
 </file>
 
 <file path=ppt/slideLayouts/slideLayout1.xml><?xml version="1.0" encoding="utf-8"?>
@@ -3118,7 +3555,7 @@
             <p:nvPr/>
           </p:nvPicPr>
           <p:blipFill rotWithShape="1">
-            <a:blip r:embed="rId2"/>
+            <a:blip r:embed="rId3"/>
             <a:srcRect l="4771" t="49630" r="71872"/>
             <a:stretch/>
           </p:blipFill>
@@ -3141,7 +3578,7 @@
             <p:nvPr/>
           </p:nvPicPr>
           <p:blipFill rotWithShape="1">
-            <a:blip r:embed="rId2"/>
+            <a:blip r:embed="rId3"/>
             <a:srcRect l="4771" t="49630" r="71872"/>
             <a:stretch/>
           </p:blipFill>
@@ -3179,7 +3616,7 @@
             <p:nvPr/>
           </p:nvPicPr>
           <p:blipFill rotWithShape="1">
-            <a:blip r:embed="rId2"/>
+            <a:blip r:embed="rId3"/>
             <a:srcRect l="4771" t="49630" r="71872"/>
             <a:stretch/>
           </p:blipFill>
@@ -3202,7 +3639,7 @@
             <p:nvPr/>
           </p:nvPicPr>
           <p:blipFill rotWithShape="1">
-            <a:blip r:embed="rId2"/>
+            <a:blip r:embed="rId3"/>
             <a:srcRect l="4771" t="49630" r="71872"/>
             <a:stretch/>
           </p:blipFill>
@@ -3225,7 +3662,7 @@
             <p:nvPr/>
           </p:nvPicPr>
           <p:blipFill rotWithShape="1">
-            <a:blip r:embed="rId2"/>
+            <a:blip r:embed="rId3"/>
             <a:srcRect l="4771" t="49630" r="71872"/>
             <a:stretch/>
           </p:blipFill>
@@ -3248,7 +3685,7 @@
             <p:nvPr/>
           </p:nvPicPr>
           <p:blipFill rotWithShape="1">
-            <a:blip r:embed="rId2"/>
+            <a:blip r:embed="rId3"/>
             <a:srcRect l="4771" t="49630" r="71872"/>
             <a:stretch/>
           </p:blipFill>
@@ -3265,123 +3702,16 @@
       </p:grpSp>
       <p:grpSp>
         <p:nvGrpSpPr>
-          <p:cNvPr id="23" name="组 22"/>
-          <p:cNvGrpSpPr/>
-          <p:nvPr/>
-        </p:nvGrpSpPr>
-        <p:grpSpPr>
-          <a:xfrm>
-            <a:off x="7168965" y="4536173"/>
-            <a:ext cx="1875693" cy="1563080"/>
-            <a:chOff x="7155940" y="3842561"/>
-            <a:chExt cx="1875693" cy="1563080"/>
-          </a:xfrm>
-        </p:grpSpPr>
-        <p:pic>
-          <p:nvPicPr>
-            <p:cNvPr id="12" name="图片 11"/>
-            <p:cNvPicPr>
-              <a:picLocks noChangeAspect="1"/>
-            </p:cNvPicPr>
-            <p:nvPr/>
-          </p:nvPicPr>
-          <p:blipFill rotWithShape="1">
-            <a:blip r:embed="rId2"/>
-            <a:srcRect l="4771" t="49630" r="71872"/>
-            <a:stretch/>
-          </p:blipFill>
-          <p:spPr>
-            <a:xfrm rot="10800000">
-              <a:off x="7155940" y="3842561"/>
-              <a:ext cx="950872" cy="781540"/>
-            </a:xfrm>
-            <a:prstGeom prst="rect">
-              <a:avLst/>
-            </a:prstGeom>
-          </p:spPr>
-        </p:pic>
-        <p:pic>
-          <p:nvPicPr>
-            <p:cNvPr id="13" name="图片 12"/>
-            <p:cNvPicPr>
-              <a:picLocks noChangeAspect="1"/>
-            </p:cNvPicPr>
-            <p:nvPr/>
-          </p:nvPicPr>
-          <p:blipFill rotWithShape="1">
-            <a:blip r:embed="rId2"/>
-            <a:srcRect l="4771" t="49630" r="71872"/>
-            <a:stretch/>
-          </p:blipFill>
-          <p:spPr>
-            <a:xfrm>
-              <a:off x="7155940" y="4624101"/>
-              <a:ext cx="950872" cy="781540"/>
-            </a:xfrm>
-            <a:prstGeom prst="rect">
-              <a:avLst/>
-            </a:prstGeom>
-          </p:spPr>
-        </p:pic>
-        <p:pic>
-          <p:nvPicPr>
-            <p:cNvPr id="14" name="图片 13"/>
-            <p:cNvPicPr>
-              <a:picLocks noChangeAspect="1"/>
-            </p:cNvPicPr>
-            <p:nvPr/>
-          </p:nvPicPr>
-          <p:blipFill rotWithShape="1">
-            <a:blip r:embed="rId2"/>
-            <a:srcRect l="4771" t="49630" r="71872"/>
-            <a:stretch/>
-          </p:blipFill>
-          <p:spPr>
-            <a:xfrm rot="10800000">
-              <a:off x="8080761" y="3842561"/>
-              <a:ext cx="950872" cy="781540"/>
-            </a:xfrm>
-            <a:prstGeom prst="rect">
-              <a:avLst/>
-            </a:prstGeom>
-          </p:spPr>
-        </p:pic>
-        <p:pic>
-          <p:nvPicPr>
-            <p:cNvPr id="15" name="图片 14"/>
-            <p:cNvPicPr>
-              <a:picLocks noChangeAspect="1"/>
-            </p:cNvPicPr>
-            <p:nvPr/>
-          </p:nvPicPr>
-          <p:blipFill rotWithShape="1">
-            <a:blip r:embed="rId2"/>
-            <a:srcRect l="4771" t="49630" r="71872"/>
-            <a:stretch/>
-          </p:blipFill>
-          <p:spPr>
-            <a:xfrm>
-              <a:off x="8080761" y="4624101"/>
-              <a:ext cx="950872" cy="781540"/>
-            </a:xfrm>
-            <a:prstGeom prst="rect">
-              <a:avLst/>
-            </a:prstGeom>
-          </p:spPr>
-        </p:pic>
-      </p:grpSp>
-      <p:grpSp>
-        <p:nvGrpSpPr>
           <p:cNvPr id="19" name="组 18"/>
           <p:cNvGrpSpPr/>
           <p:nvPr/>
         </p:nvGrpSpPr>
         <p:grpSpPr>
           <a:xfrm>
-            <a:off x="1027558" y="1644487"/>
-            <a:ext cx="1777401" cy="4396147"/>
+            <a:off x="1027558" y="1644486"/>
+            <a:ext cx="1777401" cy="4643658"/>
             <a:chOff x="1027558" y="1869185"/>
-            <a:chExt cx="1777401" cy="4396147"/>
+            <a:chExt cx="1777401" cy="5262376"/>
           </a:xfrm>
         </p:grpSpPr>
         <p:pic>
@@ -3393,7 +3723,7 @@
             <p:nvPr/>
           </p:nvPicPr>
           <p:blipFill rotWithShape="1">
-            <a:blip r:embed="rId2"/>
+            <a:blip r:embed="rId3"/>
             <a:srcRect l="4563" r="3723"/>
             <a:stretch/>
           </p:blipFill>
@@ -3416,13 +3746,13 @@
             <p:nvPr/>
           </p:nvPicPr>
           <p:blipFill rotWithShape="1">
-            <a:blip r:embed="rId2"/>
+            <a:blip r:embed="rId3"/>
             <a:srcRect l="4563" r="3723"/>
             <a:stretch/>
           </p:blipFill>
           <p:spPr>
             <a:xfrm rot="5400000">
-              <a:off x="154542" y="3614914"/>
+              <a:off x="154542" y="4481143"/>
               <a:ext cx="3523434" cy="1777401"/>
             </a:xfrm>
             <a:prstGeom prst="rect">
@@ -3433,143 +3763,158 @@
       </p:grpSp>
       <p:grpSp>
         <p:nvGrpSpPr>
-          <p:cNvPr id="22" name="组 21"/>
+          <p:cNvPr id="3" name="组 2"/>
           <p:cNvGrpSpPr/>
           <p:nvPr/>
         </p:nvGrpSpPr>
         <p:grpSpPr>
           <a:xfrm>
-            <a:off x="2084099" y="4295200"/>
-            <a:ext cx="755487" cy="846667"/>
-            <a:chOff x="2084099" y="4519898"/>
-            <a:chExt cx="755487" cy="846667"/>
+            <a:off x="2084099" y="3919366"/>
+            <a:ext cx="3760180" cy="892905"/>
+            <a:chOff x="2084099" y="4233881"/>
+            <a:chExt cx="3760180" cy="892905"/>
           </a:xfrm>
         </p:grpSpPr>
-        <p:sp>
-          <p:nvSpPr>
-            <p:cNvPr id="20" name="圆角矩形 19"/>
-            <p:cNvSpPr/>
+        <p:grpSp>
+          <p:nvGrpSpPr>
+            <p:cNvPr id="22" name="组 21"/>
+            <p:cNvGrpSpPr/>
             <p:nvPr/>
-          </p:nvSpPr>
+          </p:nvGrpSpPr>
+          <p:grpSpPr>
+            <a:xfrm>
+              <a:off x="2084099" y="4295200"/>
+              <a:ext cx="755487" cy="744459"/>
+              <a:chOff x="2084099" y="4519898"/>
+              <a:chExt cx="755487" cy="744459"/>
+            </a:xfrm>
+          </p:grpSpPr>
+          <p:sp>
+            <p:nvSpPr>
+              <p:cNvPr id="20" name="圆角矩形 19"/>
+              <p:cNvSpPr/>
+              <p:nvPr/>
+            </p:nvSpPr>
+            <p:spPr>
+              <a:xfrm>
+                <a:off x="2084099" y="4519898"/>
+                <a:ext cx="755487" cy="744459"/>
+              </a:xfrm>
+              <a:prstGeom prst="roundRect">
+                <a:avLst/>
+              </a:prstGeom>
+              <a:solidFill>
+                <a:schemeClr val="bg1"/>
+              </a:solidFill>
+              <a:ln w="38100" cmpd="sng">
+                <a:noFill/>
+              </a:ln>
+              <a:effectLst/>
+            </p:spPr>
+            <p:style>
+              <a:lnRef idx="1">
+                <a:schemeClr val="accent1"/>
+              </a:lnRef>
+              <a:fillRef idx="3">
+                <a:schemeClr val="accent1"/>
+              </a:fillRef>
+              <a:effectRef idx="2">
+                <a:schemeClr val="accent1"/>
+              </a:effectRef>
+              <a:fontRef idx="minor">
+                <a:schemeClr val="lt1"/>
+              </a:fontRef>
+            </p:style>
+            <p:txBody>
+              <a:bodyPr rtlCol="0" anchor="ctr"/>
+              <a:lstStyle/>
+              <a:p>
+                <a:pPr algn="ctr"/>
+                <a:endParaRPr kumimoji="1" lang="zh-CN" altLang="en-US">
+                  <a:latin typeface="华文仿宋"/>
+                  <a:ea typeface="华文仿宋"/>
+                  <a:cs typeface="华文仿宋"/>
+                </a:endParaRPr>
+              </a:p>
+            </p:txBody>
+          </p:sp>
+          <p:sp>
+            <p:nvSpPr>
+              <p:cNvPr id="21" name="圆角矩形 20"/>
+              <p:cNvSpPr/>
+              <p:nvPr/>
+            </p:nvSpPr>
+            <p:spPr>
+              <a:xfrm>
+                <a:off x="2375474" y="4702256"/>
+                <a:ext cx="327347" cy="379849"/>
+              </a:xfrm>
+              <a:prstGeom prst="roundRect">
+                <a:avLst/>
+              </a:prstGeom>
+              <a:solidFill>
+                <a:schemeClr val="bg1"/>
+              </a:solidFill>
+              <a:ln w="38100" cmpd="sng">
+                <a:solidFill>
+                  <a:schemeClr val="tx1"/>
+                </a:solidFill>
+              </a:ln>
+              <a:effectLst/>
+            </p:spPr>
+            <p:style>
+              <a:lnRef idx="1">
+                <a:schemeClr val="accent1"/>
+              </a:lnRef>
+              <a:fillRef idx="3">
+                <a:schemeClr val="accent1"/>
+              </a:fillRef>
+              <a:effectRef idx="2">
+                <a:schemeClr val="accent1"/>
+              </a:effectRef>
+              <a:fontRef idx="minor">
+                <a:schemeClr val="lt1"/>
+              </a:fontRef>
+            </p:style>
+            <p:txBody>
+              <a:bodyPr rtlCol="0" anchor="ctr"/>
+              <a:lstStyle/>
+              <a:p>
+                <a:pPr algn="ctr"/>
+                <a:endParaRPr kumimoji="1" lang="zh-CN" altLang="en-US">
+                  <a:latin typeface="华文仿宋"/>
+                  <a:ea typeface="华文仿宋"/>
+                  <a:cs typeface="华文仿宋"/>
+                </a:endParaRPr>
+              </a:p>
+            </p:txBody>
+          </p:sp>
+        </p:grpSp>
+        <p:pic>
+          <p:nvPicPr>
+            <p:cNvPr id="26" name="图片 25"/>
+            <p:cNvPicPr>
+              <a:picLocks noChangeAspect="1"/>
+            </p:cNvPicPr>
+            <p:nvPr/>
+          </p:nvPicPr>
+          <p:blipFill>
+            <a:blip r:embed="rId4"/>
+            <a:stretch>
+              <a:fillRect/>
+            </a:stretch>
+          </p:blipFill>
           <p:spPr>
-            <a:xfrm>
-              <a:off x="2084099" y="4519898"/>
-              <a:ext cx="755487" cy="846667"/>
+            <a:xfrm rot="16200000">
+              <a:off x="3806419" y="3088926"/>
+              <a:ext cx="892905" cy="3182815"/>
             </a:xfrm>
-            <a:prstGeom prst="roundRect">
+            <a:prstGeom prst="rect">
               <a:avLst/>
             </a:prstGeom>
-            <a:solidFill>
-              <a:schemeClr val="bg1"/>
-            </a:solidFill>
-            <a:ln w="38100" cmpd="sng">
-              <a:noFill/>
-            </a:ln>
-            <a:effectLst/>
           </p:spPr>
-          <p:style>
-            <a:lnRef idx="1">
-              <a:schemeClr val="accent1"/>
-            </a:lnRef>
-            <a:fillRef idx="3">
-              <a:schemeClr val="accent1"/>
-            </a:fillRef>
-            <a:effectRef idx="2">
-              <a:schemeClr val="accent1"/>
-            </a:effectRef>
-            <a:fontRef idx="minor">
-              <a:schemeClr val="lt1"/>
-            </a:fontRef>
-          </p:style>
-          <p:txBody>
-            <a:bodyPr rtlCol="0" anchor="ctr"/>
-            <a:lstStyle/>
-            <a:p>
-              <a:pPr algn="ctr"/>
-              <a:endParaRPr kumimoji="1" lang="zh-CN" altLang="en-US">
-                <a:latin typeface="华文仿宋"/>
-                <a:ea typeface="华文仿宋"/>
-                <a:cs typeface="华文仿宋"/>
-              </a:endParaRPr>
-            </a:p>
-          </p:txBody>
-        </p:sp>
-        <p:sp>
-          <p:nvSpPr>
-            <p:cNvPr id="21" name="圆角矩形 20"/>
-            <p:cNvSpPr/>
-            <p:nvPr/>
-          </p:nvSpPr>
-          <p:spPr>
-            <a:xfrm>
-              <a:off x="2375474" y="4702256"/>
-              <a:ext cx="429486" cy="431999"/>
-            </a:xfrm>
-            <a:prstGeom prst="roundRect">
-              <a:avLst/>
-            </a:prstGeom>
-            <a:solidFill>
-              <a:schemeClr val="bg1"/>
-            </a:solidFill>
-            <a:ln w="38100" cmpd="sng">
-              <a:solidFill>
-                <a:schemeClr val="tx1"/>
-              </a:solidFill>
-            </a:ln>
-            <a:effectLst/>
-          </p:spPr>
-          <p:style>
-            <a:lnRef idx="1">
-              <a:schemeClr val="accent1"/>
-            </a:lnRef>
-            <a:fillRef idx="3">
-              <a:schemeClr val="accent1"/>
-            </a:fillRef>
-            <a:effectRef idx="2">
-              <a:schemeClr val="accent1"/>
-            </a:effectRef>
-            <a:fontRef idx="minor">
-              <a:schemeClr val="lt1"/>
-            </a:fontRef>
-          </p:style>
-          <p:txBody>
-            <a:bodyPr rtlCol="0" anchor="ctr"/>
-            <a:lstStyle/>
-            <a:p>
-              <a:pPr algn="ctr"/>
-              <a:endParaRPr kumimoji="1" lang="zh-CN" altLang="en-US">
-                <a:latin typeface="华文仿宋"/>
-                <a:ea typeface="华文仿宋"/>
-                <a:cs typeface="华文仿宋"/>
-              </a:endParaRPr>
-            </a:p>
-          </p:txBody>
-        </p:sp>
+        </p:pic>
       </p:grpSp>
-      <p:pic>
-        <p:nvPicPr>
-          <p:cNvPr id="26" name="图片 25"/>
-          <p:cNvPicPr>
-            <a:picLocks noChangeAspect="1"/>
-          </p:cNvPicPr>
-          <p:nvPr/>
-        </p:nvPicPr>
-        <p:blipFill>
-          <a:blip r:embed="rId3"/>
-          <a:stretch>
-            <a:fillRect/>
-          </a:stretch>
-        </p:blipFill>
-        <p:spPr>
-          <a:xfrm rot="16200000">
-            <a:off x="3487291" y="3130061"/>
-            <a:ext cx="892905" cy="3182815"/>
-          </a:xfrm>
-          <a:prstGeom prst="rect">
-            <a:avLst/>
-          </a:prstGeom>
-        </p:spPr>
-      </p:pic>
       <p:sp>
         <p:nvSpPr>
           <p:cNvPr id="29" name="圆角矩形 28"/>
@@ -3936,7 +4281,7 @@
           <p:nvPr/>
         </p:nvPicPr>
         <p:blipFill rotWithShape="1">
-          <a:blip r:embed="rId4"/>
+          <a:blip r:embed="rId5"/>
           <a:srcRect l="11332" r="5801" b="28440"/>
           <a:stretch/>
         </p:blipFill>
@@ -3996,7 +4341,7 @@
         </p:nvSpPr>
         <p:spPr>
           <a:xfrm>
-            <a:off x="1543538" y="1916668"/>
+            <a:off x="1543538" y="1851538"/>
             <a:ext cx="301660" cy="369332"/>
           </a:xfrm>
           <a:prstGeom prst="rect">
@@ -4034,7 +4379,7 @@
         </p:nvSpPr>
         <p:spPr>
           <a:xfrm>
-            <a:off x="1543538" y="2782873"/>
+            <a:off x="1543538" y="2620048"/>
             <a:ext cx="301660" cy="369332"/>
           </a:xfrm>
           <a:prstGeom prst="rect">
@@ -4072,13 +4417,15 @@
         </p:nvSpPr>
         <p:spPr>
           <a:xfrm>
-            <a:off x="1543538" y="3681642"/>
+            <a:off x="1543538" y="3375531"/>
             <a:ext cx="301660" cy="369332"/>
           </a:xfrm>
           <a:prstGeom prst="rect">
             <a:avLst/>
           </a:prstGeom>
-          <a:noFill/>
+          <a:solidFill>
+            <a:schemeClr val="accent6"/>
+          </a:solidFill>
         </p:spPr>
         <p:txBody>
           <a:bodyPr wrap="none" rtlCol="0">
@@ -4110,13 +4457,15 @@
         </p:nvSpPr>
         <p:spPr>
           <a:xfrm>
-            <a:off x="1543538" y="4540225"/>
+            <a:off x="1543538" y="4183371"/>
             <a:ext cx="301660" cy="369332"/>
           </a:xfrm>
           <a:prstGeom prst="rect">
             <a:avLst/>
           </a:prstGeom>
-          <a:noFill/>
+          <a:solidFill>
+            <a:schemeClr val="accent6"/>
+          </a:solidFill>
         </p:spPr>
         <p:txBody>
           <a:bodyPr wrap="none" rtlCol="0">
@@ -4148,13 +4497,15 @@
         </p:nvSpPr>
         <p:spPr>
           <a:xfrm>
-            <a:off x="1543538" y="5415406"/>
+            <a:off x="1543538" y="4959215"/>
             <a:ext cx="301660" cy="369332"/>
           </a:xfrm>
           <a:prstGeom prst="rect">
             <a:avLst/>
           </a:prstGeom>
-          <a:noFill/>
+          <a:solidFill>
+            <a:schemeClr val="accent6"/>
+          </a:solidFill>
         </p:spPr>
         <p:txBody>
           <a:bodyPr wrap="none" rtlCol="0">
@@ -4180,19 +4531,637 @@
       </p:sp>
       <p:sp>
         <p:nvSpPr>
-          <p:cNvPr id="45" name="文本框 44"/>
+          <p:cNvPr id="46" name="文本框 45"/>
           <p:cNvSpPr txBox="1"/>
           <p:nvPr/>
         </p:nvSpPr>
         <p:spPr>
           <a:xfrm>
-            <a:off x="1971675" y="5415406"/>
+            <a:off x="1971675" y="3375531"/>
             <a:ext cx="301660" cy="369332"/>
           </a:xfrm>
           <a:prstGeom prst="rect">
             <a:avLst/>
           </a:prstGeom>
           <a:noFill/>
+        </p:spPr>
+        <p:txBody>
+          <a:bodyPr wrap="none" rtlCol="0">
+            <a:spAutoFit/>
+          </a:bodyPr>
+          <a:lstStyle/>
+          <a:p>
+            <a:r>
+              <a:rPr kumimoji="1" lang="en-US" altLang="zh-CN" dirty="0" smtClean="0">
+                <a:latin typeface="华文仿宋"/>
+                <a:ea typeface="华文仿宋"/>
+                <a:cs typeface="华文仿宋"/>
+              </a:rPr>
+              <a:t>8</a:t>
+            </a:r>
+            <a:endParaRPr kumimoji="1" lang="zh-CN" altLang="en-US" dirty="0">
+              <a:latin typeface="华文仿宋"/>
+              <a:ea typeface="华文仿宋"/>
+              <a:cs typeface="华文仿宋"/>
+            </a:endParaRPr>
+          </a:p>
+        </p:txBody>
+      </p:sp>
+      <p:sp>
+        <p:nvSpPr>
+          <p:cNvPr id="47" name="文本框 46"/>
+          <p:cNvSpPr txBox="1"/>
+          <p:nvPr/>
+        </p:nvSpPr>
+        <p:spPr>
+          <a:xfrm>
+            <a:off x="1919571" y="2620048"/>
+            <a:ext cx="292925" cy="369332"/>
+          </a:xfrm>
+          <a:prstGeom prst="rect">
+            <a:avLst/>
+          </a:prstGeom>
+          <a:noFill/>
+        </p:spPr>
+        <p:txBody>
+          <a:bodyPr wrap="none" rtlCol="0">
+            <a:spAutoFit/>
+          </a:bodyPr>
+          <a:lstStyle/>
+          <a:p>
+            <a:r>
+              <a:rPr kumimoji="1" lang="en-US" altLang="zh-CN" dirty="0" smtClean="0">
+                <a:latin typeface="华文仿宋"/>
+                <a:ea typeface="华文仿宋"/>
+                <a:cs typeface="华文仿宋"/>
+              </a:rPr>
+              <a:t>9</a:t>
+            </a:r>
+            <a:endParaRPr kumimoji="1" lang="zh-CN" altLang="en-US" dirty="0">
+              <a:latin typeface="华文仿宋"/>
+              <a:ea typeface="华文仿宋"/>
+              <a:cs typeface="华文仿宋"/>
+            </a:endParaRPr>
+          </a:p>
+        </p:txBody>
+      </p:sp>
+      <p:sp>
+        <p:nvSpPr>
+          <p:cNvPr id="48" name="文本框 47"/>
+          <p:cNvSpPr txBox="1"/>
+          <p:nvPr/>
+        </p:nvSpPr>
+        <p:spPr>
+          <a:xfrm>
+            <a:off x="1919571" y="1851538"/>
+            <a:ext cx="401184" cy="369332"/>
+          </a:xfrm>
+          <a:prstGeom prst="rect">
+            <a:avLst/>
+          </a:prstGeom>
+          <a:noFill/>
+        </p:spPr>
+        <p:txBody>
+          <a:bodyPr wrap="none" rtlCol="0">
+            <a:spAutoFit/>
+          </a:bodyPr>
+          <a:lstStyle/>
+          <a:p>
+            <a:r>
+              <a:rPr kumimoji="1" lang="en-US" altLang="zh-CN" dirty="0" smtClean="0">
+                <a:latin typeface="华文仿宋"/>
+                <a:ea typeface="华文仿宋"/>
+                <a:cs typeface="华文仿宋"/>
+              </a:rPr>
+              <a:t>10</a:t>
+            </a:r>
+            <a:endParaRPr kumimoji="1" lang="zh-CN" altLang="en-US" dirty="0">
+              <a:latin typeface="华文仿宋"/>
+              <a:ea typeface="华文仿宋"/>
+              <a:cs typeface="华文仿宋"/>
+            </a:endParaRPr>
+          </a:p>
+        </p:txBody>
+      </p:sp>
+      <p:sp>
+        <p:nvSpPr>
+          <p:cNvPr id="49" name="文本框 48"/>
+          <p:cNvSpPr txBox="1"/>
+          <p:nvPr/>
+        </p:nvSpPr>
+        <p:spPr>
+          <a:xfrm>
+            <a:off x="7461983" y="1957642"/>
+            <a:ext cx="401184" cy="369332"/>
+          </a:xfrm>
+          <a:prstGeom prst="rect">
+            <a:avLst/>
+          </a:prstGeom>
+          <a:noFill/>
+        </p:spPr>
+        <p:txBody>
+          <a:bodyPr wrap="none" rtlCol="0">
+            <a:spAutoFit/>
+          </a:bodyPr>
+          <a:lstStyle/>
+          <a:p>
+            <a:r>
+              <a:rPr kumimoji="1" lang="en-US" altLang="zh-CN" dirty="0" smtClean="0">
+                <a:latin typeface="华文仿宋"/>
+                <a:ea typeface="华文仿宋"/>
+                <a:cs typeface="华文仿宋"/>
+              </a:rPr>
+              <a:t>11</a:t>
+            </a:r>
+            <a:endParaRPr kumimoji="1" lang="zh-CN" altLang="en-US" dirty="0">
+              <a:latin typeface="华文仿宋"/>
+              <a:ea typeface="华文仿宋"/>
+              <a:cs typeface="华文仿宋"/>
+            </a:endParaRPr>
+          </a:p>
+        </p:txBody>
+      </p:sp>
+      <p:sp>
+        <p:nvSpPr>
+          <p:cNvPr id="50" name="文本框 49"/>
+          <p:cNvSpPr txBox="1"/>
+          <p:nvPr/>
+        </p:nvSpPr>
+        <p:spPr>
+          <a:xfrm>
+            <a:off x="8360752" y="1957642"/>
+            <a:ext cx="401184" cy="369332"/>
+          </a:xfrm>
+          <a:prstGeom prst="rect">
+            <a:avLst/>
+          </a:prstGeom>
+          <a:noFill/>
+        </p:spPr>
+        <p:txBody>
+          <a:bodyPr wrap="none" rtlCol="0">
+            <a:spAutoFit/>
+          </a:bodyPr>
+          <a:lstStyle/>
+          <a:p>
+            <a:r>
+              <a:rPr kumimoji="1" lang="en-US" altLang="zh-CN" dirty="0" smtClean="0">
+                <a:latin typeface="华文仿宋"/>
+                <a:ea typeface="华文仿宋"/>
+                <a:cs typeface="华文仿宋"/>
+              </a:rPr>
+              <a:t>12</a:t>
+            </a:r>
+            <a:endParaRPr kumimoji="1" lang="zh-CN" altLang="en-US" dirty="0">
+              <a:latin typeface="华文仿宋"/>
+              <a:ea typeface="华文仿宋"/>
+              <a:cs typeface="华文仿宋"/>
+            </a:endParaRPr>
+          </a:p>
+        </p:txBody>
+      </p:sp>
+      <p:sp>
+        <p:nvSpPr>
+          <p:cNvPr id="51" name="文本框 50"/>
+          <p:cNvSpPr txBox="1"/>
+          <p:nvPr/>
+        </p:nvSpPr>
+        <p:spPr>
+          <a:xfrm>
+            <a:off x="7461983" y="2413541"/>
+            <a:ext cx="401184" cy="369332"/>
+          </a:xfrm>
+          <a:prstGeom prst="rect">
+            <a:avLst/>
+          </a:prstGeom>
+          <a:noFill/>
+        </p:spPr>
+        <p:txBody>
+          <a:bodyPr wrap="none" rtlCol="0">
+            <a:spAutoFit/>
+          </a:bodyPr>
+          <a:lstStyle/>
+          <a:p>
+            <a:r>
+              <a:rPr kumimoji="1" lang="en-US" altLang="zh-CN" dirty="0" smtClean="0">
+                <a:latin typeface="华文仿宋"/>
+                <a:ea typeface="华文仿宋"/>
+                <a:cs typeface="华文仿宋"/>
+              </a:rPr>
+              <a:t>13</a:t>
+            </a:r>
+            <a:endParaRPr kumimoji="1" lang="zh-CN" altLang="en-US" dirty="0">
+              <a:latin typeface="华文仿宋"/>
+              <a:ea typeface="华文仿宋"/>
+              <a:cs typeface="华文仿宋"/>
+            </a:endParaRPr>
+          </a:p>
+        </p:txBody>
+      </p:sp>
+      <p:sp>
+        <p:nvSpPr>
+          <p:cNvPr id="52" name="文本框 51"/>
+          <p:cNvSpPr txBox="1"/>
+          <p:nvPr/>
+        </p:nvSpPr>
+        <p:spPr>
+          <a:xfrm>
+            <a:off x="8360752" y="2423304"/>
+            <a:ext cx="401184" cy="369332"/>
+          </a:xfrm>
+          <a:prstGeom prst="rect">
+            <a:avLst/>
+          </a:prstGeom>
+          <a:noFill/>
+        </p:spPr>
+        <p:txBody>
+          <a:bodyPr wrap="none" rtlCol="0">
+            <a:spAutoFit/>
+          </a:bodyPr>
+          <a:lstStyle/>
+          <a:p>
+            <a:r>
+              <a:rPr kumimoji="1" lang="en-US" altLang="zh-CN" dirty="0" smtClean="0">
+                <a:latin typeface="华文仿宋"/>
+                <a:ea typeface="华文仿宋"/>
+                <a:cs typeface="华文仿宋"/>
+              </a:rPr>
+              <a:t>14</a:t>
+            </a:r>
+            <a:endParaRPr kumimoji="1" lang="zh-CN" altLang="en-US" dirty="0">
+              <a:latin typeface="华文仿宋"/>
+              <a:ea typeface="华文仿宋"/>
+              <a:cs typeface="华文仿宋"/>
+            </a:endParaRPr>
+          </a:p>
+        </p:txBody>
+      </p:sp>
+      <p:grpSp>
+        <p:nvGrpSpPr>
+          <p:cNvPr id="2" name="组 1"/>
+          <p:cNvGrpSpPr/>
+          <p:nvPr/>
+        </p:nvGrpSpPr>
+        <p:grpSpPr>
+          <a:xfrm>
+            <a:off x="7168965" y="4221658"/>
+            <a:ext cx="1875693" cy="1563080"/>
+            <a:chOff x="7168965" y="4536173"/>
+            <a:chExt cx="1875693" cy="1563080"/>
+          </a:xfrm>
+        </p:grpSpPr>
+        <p:grpSp>
+          <p:nvGrpSpPr>
+            <p:cNvPr id="23" name="组 22"/>
+            <p:cNvGrpSpPr/>
+            <p:nvPr/>
+          </p:nvGrpSpPr>
+          <p:grpSpPr>
+            <a:xfrm>
+              <a:off x="7168965" y="4536173"/>
+              <a:ext cx="1875693" cy="1563080"/>
+              <a:chOff x="7155940" y="3842561"/>
+              <a:chExt cx="1875693" cy="1563080"/>
+            </a:xfrm>
+          </p:grpSpPr>
+          <p:pic>
+            <p:nvPicPr>
+              <p:cNvPr id="12" name="图片 11"/>
+              <p:cNvPicPr>
+                <a:picLocks noChangeAspect="1"/>
+              </p:cNvPicPr>
+              <p:nvPr/>
+            </p:nvPicPr>
+            <p:blipFill rotWithShape="1">
+              <a:blip r:embed="rId3"/>
+              <a:srcRect l="4771" t="49630" r="71872"/>
+              <a:stretch/>
+            </p:blipFill>
+            <p:spPr>
+              <a:xfrm rot="10800000">
+                <a:off x="7155940" y="3842561"/>
+                <a:ext cx="950872" cy="781540"/>
+              </a:xfrm>
+              <a:prstGeom prst="rect">
+                <a:avLst/>
+              </a:prstGeom>
+            </p:spPr>
+          </p:pic>
+          <p:pic>
+            <p:nvPicPr>
+              <p:cNvPr id="13" name="图片 12"/>
+              <p:cNvPicPr>
+                <a:picLocks noChangeAspect="1"/>
+              </p:cNvPicPr>
+              <p:nvPr/>
+            </p:nvPicPr>
+            <p:blipFill rotWithShape="1">
+              <a:blip r:embed="rId3"/>
+              <a:srcRect l="4771" t="49630" r="71872"/>
+              <a:stretch/>
+            </p:blipFill>
+            <p:spPr>
+              <a:xfrm>
+                <a:off x="7155940" y="4624101"/>
+                <a:ext cx="950872" cy="781540"/>
+              </a:xfrm>
+              <a:prstGeom prst="rect">
+                <a:avLst/>
+              </a:prstGeom>
+            </p:spPr>
+          </p:pic>
+          <p:pic>
+            <p:nvPicPr>
+              <p:cNvPr id="14" name="图片 13"/>
+              <p:cNvPicPr>
+                <a:picLocks noChangeAspect="1"/>
+              </p:cNvPicPr>
+              <p:nvPr/>
+            </p:nvPicPr>
+            <p:blipFill rotWithShape="1">
+              <a:blip r:embed="rId3"/>
+              <a:srcRect l="4771" t="49630" r="71872"/>
+              <a:stretch/>
+            </p:blipFill>
+            <p:spPr>
+              <a:xfrm rot="10800000">
+                <a:off x="8080761" y="3842561"/>
+                <a:ext cx="950872" cy="781540"/>
+              </a:xfrm>
+              <a:prstGeom prst="rect">
+                <a:avLst/>
+              </a:prstGeom>
+            </p:spPr>
+          </p:pic>
+          <p:pic>
+            <p:nvPicPr>
+              <p:cNvPr id="15" name="图片 14"/>
+              <p:cNvPicPr>
+                <a:picLocks noChangeAspect="1"/>
+              </p:cNvPicPr>
+              <p:nvPr/>
+            </p:nvPicPr>
+            <p:blipFill rotWithShape="1">
+              <a:blip r:embed="rId3"/>
+              <a:srcRect l="4771" t="49630" r="71872"/>
+              <a:stretch/>
+            </p:blipFill>
+            <p:spPr>
+              <a:xfrm>
+                <a:off x="8080761" y="4624101"/>
+                <a:ext cx="950872" cy="781540"/>
+              </a:xfrm>
+              <a:prstGeom prst="rect">
+                <a:avLst/>
+              </a:prstGeom>
+            </p:spPr>
+          </p:pic>
+        </p:grpSp>
+        <p:sp>
+          <p:nvSpPr>
+            <p:cNvPr id="58" name="文本框 57"/>
+            <p:cNvSpPr txBox="1"/>
+            <p:nvPr/>
+          </p:nvSpPr>
+          <p:spPr>
+            <a:xfrm>
+              <a:off x="7461983" y="4909557"/>
+              <a:ext cx="401184" cy="369332"/>
+            </a:xfrm>
+            <a:prstGeom prst="rect">
+              <a:avLst/>
+            </a:prstGeom>
+            <a:noFill/>
+          </p:spPr>
+          <p:txBody>
+            <a:bodyPr wrap="none" rtlCol="0">
+              <a:spAutoFit/>
+            </a:bodyPr>
+            <a:lstStyle/>
+            <a:p>
+              <a:r>
+                <a:rPr kumimoji="1" lang="en-US" altLang="zh-CN" dirty="0" smtClean="0">
+                  <a:latin typeface="华文仿宋"/>
+                  <a:ea typeface="华文仿宋"/>
+                  <a:cs typeface="华文仿宋"/>
+                </a:rPr>
+                <a:t>15</a:t>
+              </a:r>
+              <a:endParaRPr kumimoji="1" lang="zh-CN" altLang="en-US" dirty="0">
+                <a:latin typeface="华文仿宋"/>
+                <a:ea typeface="华文仿宋"/>
+                <a:cs typeface="华文仿宋"/>
+              </a:endParaRPr>
+            </a:p>
+          </p:txBody>
+        </p:sp>
+        <p:sp>
+          <p:nvSpPr>
+            <p:cNvPr id="59" name="文本框 58"/>
+            <p:cNvSpPr txBox="1"/>
+            <p:nvPr/>
+          </p:nvSpPr>
+          <p:spPr>
+            <a:xfrm>
+              <a:off x="8360876" y="4909557"/>
+              <a:ext cx="401184" cy="369332"/>
+            </a:xfrm>
+            <a:prstGeom prst="rect">
+              <a:avLst/>
+            </a:prstGeom>
+            <a:noFill/>
+          </p:spPr>
+          <p:txBody>
+            <a:bodyPr wrap="none" rtlCol="0">
+              <a:spAutoFit/>
+            </a:bodyPr>
+            <a:lstStyle/>
+            <a:p>
+              <a:r>
+                <a:rPr kumimoji="1" lang="en-US" altLang="zh-CN" dirty="0" smtClean="0">
+                  <a:latin typeface="华文仿宋"/>
+                  <a:ea typeface="华文仿宋"/>
+                  <a:cs typeface="华文仿宋"/>
+                </a:rPr>
+                <a:t>16</a:t>
+              </a:r>
+              <a:endParaRPr kumimoji="1" lang="zh-CN" altLang="en-US" dirty="0">
+                <a:latin typeface="华文仿宋"/>
+                <a:ea typeface="华文仿宋"/>
+                <a:cs typeface="华文仿宋"/>
+              </a:endParaRPr>
+            </a:p>
+          </p:txBody>
+        </p:sp>
+        <p:sp>
+          <p:nvSpPr>
+            <p:cNvPr id="60" name="文本框 59"/>
+            <p:cNvSpPr txBox="1"/>
+            <p:nvPr/>
+          </p:nvSpPr>
+          <p:spPr>
+            <a:xfrm>
+              <a:off x="7461983" y="5343766"/>
+              <a:ext cx="401184" cy="369332"/>
+            </a:xfrm>
+            <a:prstGeom prst="rect">
+              <a:avLst/>
+            </a:prstGeom>
+            <a:noFill/>
+          </p:spPr>
+          <p:txBody>
+            <a:bodyPr wrap="none" rtlCol="0">
+              <a:spAutoFit/>
+            </a:bodyPr>
+            <a:lstStyle/>
+            <a:p>
+              <a:r>
+                <a:rPr kumimoji="1" lang="en-US" altLang="zh-CN" dirty="0" smtClean="0">
+                  <a:latin typeface="华文仿宋"/>
+                  <a:ea typeface="华文仿宋"/>
+                  <a:cs typeface="华文仿宋"/>
+                </a:rPr>
+                <a:t>17</a:t>
+              </a:r>
+              <a:endParaRPr kumimoji="1" lang="zh-CN" altLang="en-US" dirty="0">
+                <a:latin typeface="华文仿宋"/>
+                <a:ea typeface="华文仿宋"/>
+                <a:cs typeface="华文仿宋"/>
+              </a:endParaRPr>
+            </a:p>
+          </p:txBody>
+        </p:sp>
+        <p:sp>
+          <p:nvSpPr>
+            <p:cNvPr id="61" name="文本框 60"/>
+            <p:cNvSpPr txBox="1"/>
+            <p:nvPr/>
+          </p:nvSpPr>
+          <p:spPr>
+            <a:xfrm>
+              <a:off x="8360752" y="5343766"/>
+              <a:ext cx="401184" cy="369332"/>
+            </a:xfrm>
+            <a:prstGeom prst="rect">
+              <a:avLst/>
+            </a:prstGeom>
+            <a:noFill/>
+          </p:spPr>
+          <p:txBody>
+            <a:bodyPr wrap="none" rtlCol="0">
+              <a:spAutoFit/>
+            </a:bodyPr>
+            <a:lstStyle/>
+            <a:p>
+              <a:r>
+                <a:rPr kumimoji="1" lang="en-US" altLang="zh-CN" dirty="0" smtClean="0">
+                  <a:latin typeface="华文仿宋"/>
+                  <a:ea typeface="华文仿宋"/>
+                  <a:cs typeface="华文仿宋"/>
+                </a:rPr>
+                <a:t>18</a:t>
+              </a:r>
+              <a:endParaRPr kumimoji="1" lang="zh-CN" altLang="en-US" dirty="0">
+                <a:latin typeface="华文仿宋"/>
+                <a:ea typeface="华文仿宋"/>
+                <a:cs typeface="华文仿宋"/>
+              </a:endParaRPr>
+            </a:p>
+          </p:txBody>
+        </p:sp>
+      </p:grpSp>
+      <p:sp>
+        <p:nvSpPr>
+          <p:cNvPr id="62" name="文本框 61"/>
+          <p:cNvSpPr txBox="1"/>
+          <p:nvPr/>
+        </p:nvSpPr>
+        <p:spPr>
+          <a:xfrm>
+            <a:off x="3059316" y="104204"/>
+            <a:ext cx="401184" cy="369332"/>
+          </a:xfrm>
+          <a:prstGeom prst="rect">
+            <a:avLst/>
+          </a:prstGeom>
+          <a:noFill/>
+        </p:spPr>
+        <p:txBody>
+          <a:bodyPr wrap="none" rtlCol="0">
+            <a:spAutoFit/>
+          </a:bodyPr>
+          <a:lstStyle/>
+          <a:p>
+            <a:r>
+              <a:rPr kumimoji="1" lang="en-US" altLang="zh-CN" dirty="0" smtClean="0">
+                <a:latin typeface="华文仿宋"/>
+                <a:ea typeface="华文仿宋"/>
+                <a:cs typeface="华文仿宋"/>
+              </a:rPr>
+              <a:t>19</a:t>
+            </a:r>
+            <a:endParaRPr kumimoji="1" lang="zh-CN" altLang="en-US" dirty="0">
+              <a:latin typeface="华文仿宋"/>
+              <a:ea typeface="华文仿宋"/>
+              <a:cs typeface="华文仿宋"/>
+            </a:endParaRPr>
+          </a:p>
+        </p:txBody>
+      </p:sp>
+      <p:sp>
+        <p:nvSpPr>
+          <p:cNvPr id="63" name="文本框 62"/>
+          <p:cNvSpPr txBox="1"/>
+          <p:nvPr/>
+        </p:nvSpPr>
+        <p:spPr>
+          <a:xfrm>
+            <a:off x="4589829" y="104204"/>
+            <a:ext cx="401184" cy="369332"/>
+          </a:xfrm>
+          <a:prstGeom prst="rect">
+            <a:avLst/>
+          </a:prstGeom>
+          <a:noFill/>
+        </p:spPr>
+        <p:txBody>
+          <a:bodyPr wrap="none" rtlCol="0">
+            <a:spAutoFit/>
+          </a:bodyPr>
+          <a:lstStyle/>
+          <a:p>
+            <a:r>
+              <a:rPr kumimoji="1" lang="en-US" altLang="zh-CN" dirty="0" smtClean="0">
+                <a:latin typeface="华文仿宋"/>
+                <a:ea typeface="华文仿宋"/>
+                <a:cs typeface="华文仿宋"/>
+              </a:rPr>
+              <a:t>20</a:t>
+            </a:r>
+            <a:endParaRPr kumimoji="1" lang="zh-CN" altLang="en-US" dirty="0">
+              <a:latin typeface="华文仿宋"/>
+              <a:ea typeface="华文仿宋"/>
+              <a:cs typeface="华文仿宋"/>
+            </a:endParaRPr>
+          </a:p>
+        </p:txBody>
+      </p:sp>
+      <p:sp>
+        <p:nvSpPr>
+          <p:cNvPr id="53" name="文本框 52"/>
+          <p:cNvSpPr txBox="1"/>
+          <p:nvPr/>
+        </p:nvSpPr>
+        <p:spPr>
+          <a:xfrm>
+            <a:off x="1543538" y="5718007"/>
+            <a:ext cx="301660" cy="369332"/>
+          </a:xfrm>
+          <a:prstGeom prst="rect">
+            <a:avLst/>
+          </a:prstGeom>
+          <a:solidFill>
+            <a:schemeClr val="accent6"/>
+          </a:solidFill>
         </p:spPr>
         <p:txBody>
           <a:bodyPr wrap="none" rtlCol="0">
@@ -4218,19 +5187,184 @@
       </p:sp>
       <p:sp>
         <p:nvSpPr>
-          <p:cNvPr id="46" name="文本框 45"/>
+          <p:cNvPr id="55" name="圆角矩形 54"/>
+          <p:cNvSpPr/>
+          <p:nvPr/>
+        </p:nvSpPr>
+        <p:spPr>
+          <a:xfrm>
+            <a:off x="357637" y="4595042"/>
+            <a:ext cx="586722" cy="1015492"/>
+          </a:xfrm>
+          <a:prstGeom prst="roundRect">
+            <a:avLst/>
+          </a:prstGeom>
+          <a:solidFill>
+            <a:schemeClr val="accent6"/>
+          </a:solidFill>
+          <a:ln w="12700" cmpd="sng">
+            <a:solidFill>
+              <a:schemeClr val="accent6"/>
+            </a:solidFill>
+          </a:ln>
+          <a:effectLst/>
+        </p:spPr>
+        <p:style>
+          <a:lnRef idx="1">
+            <a:schemeClr val="accent1"/>
+          </a:lnRef>
+          <a:fillRef idx="3">
+            <a:schemeClr val="accent1"/>
+          </a:fillRef>
+          <a:effectRef idx="2">
+            <a:schemeClr val="accent1"/>
+          </a:effectRef>
+          <a:fontRef idx="minor">
+            <a:schemeClr val="lt1"/>
+          </a:fontRef>
+        </p:style>
+        <p:txBody>
+          <a:bodyPr rtlCol="0" anchor="ctr"/>
+          <a:lstStyle/>
+          <a:p>
+            <a:pPr algn="ctr"/>
+            <a:r>
+              <a:rPr kumimoji="1" lang="zh-CN" altLang="en-US" sz="1200" dirty="0" smtClean="0">
+                <a:solidFill>
+                  <a:schemeClr val="tx1"/>
+                </a:solidFill>
+                <a:latin typeface="黑体"/>
+                <a:ea typeface="黑体"/>
+                <a:cs typeface="黑体"/>
+              </a:rPr>
+              <a:t>清华创客空间协会</a:t>
+            </a:r>
+            <a:endParaRPr kumimoji="1" lang="zh-CN" altLang="en-US" sz="1200" dirty="0">
+              <a:solidFill>
+                <a:schemeClr val="tx1"/>
+              </a:solidFill>
+              <a:latin typeface="黑体"/>
+              <a:ea typeface="黑体"/>
+              <a:cs typeface="黑体"/>
+            </a:endParaRPr>
+          </a:p>
+        </p:txBody>
+      </p:sp>
+      <p:sp>
+        <p:nvSpPr>
+          <p:cNvPr id="56" name="圆角矩形 55"/>
+          <p:cNvSpPr/>
+          <p:nvPr/>
+        </p:nvSpPr>
+        <p:spPr>
+          <a:xfrm>
+            <a:off x="2375474" y="4815775"/>
+            <a:ext cx="755487" cy="744459"/>
+          </a:xfrm>
+          <a:prstGeom prst="roundRect">
+            <a:avLst/>
+          </a:prstGeom>
+          <a:solidFill>
+            <a:schemeClr val="bg1"/>
+          </a:solidFill>
+          <a:ln w="38100" cmpd="sng">
+            <a:noFill/>
+          </a:ln>
+          <a:effectLst/>
+        </p:spPr>
+        <p:style>
+          <a:lnRef idx="1">
+            <a:schemeClr val="accent1"/>
+          </a:lnRef>
+          <a:fillRef idx="3">
+            <a:schemeClr val="accent1"/>
+          </a:fillRef>
+          <a:effectRef idx="2">
+            <a:schemeClr val="accent1"/>
+          </a:effectRef>
+          <a:fontRef idx="minor">
+            <a:schemeClr val="lt1"/>
+          </a:fontRef>
+        </p:style>
+        <p:txBody>
+          <a:bodyPr rtlCol="0" anchor="ctr"/>
+          <a:lstStyle/>
+          <a:p>
+            <a:pPr algn="ctr"/>
+            <a:endParaRPr kumimoji="1" lang="zh-CN" altLang="en-US">
+              <a:latin typeface="华文仿宋"/>
+              <a:ea typeface="华文仿宋"/>
+              <a:cs typeface="华文仿宋"/>
+            </a:endParaRPr>
+          </a:p>
+        </p:txBody>
+      </p:sp>
+      <p:sp>
+        <p:nvSpPr>
+          <p:cNvPr id="57" name="圆角矩形 56"/>
+          <p:cNvSpPr/>
+          <p:nvPr/>
+        </p:nvSpPr>
+        <p:spPr>
+          <a:xfrm>
+            <a:off x="1913059" y="5127850"/>
+            <a:ext cx="401184" cy="744459"/>
+          </a:xfrm>
+          <a:prstGeom prst="roundRect">
+            <a:avLst/>
+          </a:prstGeom>
+          <a:solidFill>
+            <a:schemeClr val="bg1"/>
+          </a:solidFill>
+          <a:ln w="38100" cmpd="sng">
+            <a:noFill/>
+          </a:ln>
+          <a:effectLst/>
+        </p:spPr>
+        <p:style>
+          <a:lnRef idx="1">
+            <a:schemeClr val="accent1"/>
+          </a:lnRef>
+          <a:fillRef idx="3">
+            <a:schemeClr val="accent1"/>
+          </a:fillRef>
+          <a:effectRef idx="2">
+            <a:schemeClr val="accent1"/>
+          </a:effectRef>
+          <a:fontRef idx="minor">
+            <a:schemeClr val="lt1"/>
+          </a:fontRef>
+        </p:style>
+        <p:txBody>
+          <a:bodyPr rtlCol="0" anchor="ctr"/>
+          <a:lstStyle/>
+          <a:p>
+            <a:pPr algn="ctr"/>
+            <a:endParaRPr kumimoji="1" lang="zh-CN" altLang="en-US">
+              <a:latin typeface="华文仿宋"/>
+              <a:ea typeface="华文仿宋"/>
+              <a:cs typeface="华文仿宋"/>
+            </a:endParaRPr>
+          </a:p>
+        </p:txBody>
+      </p:sp>
+      <p:sp>
+        <p:nvSpPr>
+          <p:cNvPr id="54" name="文本框 53"/>
           <p:cNvSpPr txBox="1"/>
           <p:nvPr/>
         </p:nvSpPr>
         <p:spPr>
           <a:xfrm>
-            <a:off x="1971675" y="3681642"/>
+            <a:off x="1963299" y="5308759"/>
             <a:ext cx="301660" cy="369332"/>
           </a:xfrm>
           <a:prstGeom prst="rect">
             <a:avLst/>
           </a:prstGeom>
-          <a:noFill/>
+          <a:solidFill>
+            <a:schemeClr val="accent6"/>
+          </a:solidFill>
         </p:spPr>
         <p:txBody>
           <a:bodyPr wrap="none" rtlCol="0">
@@ -4245,462 +5379,6 @@
                 <a:cs typeface="华文仿宋"/>
               </a:rPr>
               <a:t>7</a:t>
-            </a:r>
-            <a:endParaRPr kumimoji="1" lang="zh-CN" altLang="en-US" dirty="0">
-              <a:latin typeface="华文仿宋"/>
-              <a:ea typeface="华文仿宋"/>
-              <a:cs typeface="华文仿宋"/>
-            </a:endParaRPr>
-          </a:p>
-        </p:txBody>
-      </p:sp>
-      <p:sp>
-        <p:nvSpPr>
-          <p:cNvPr id="47" name="文本框 46"/>
-          <p:cNvSpPr txBox="1"/>
-          <p:nvPr/>
-        </p:nvSpPr>
-        <p:spPr>
-          <a:xfrm>
-            <a:off x="1971675" y="2782873"/>
-            <a:ext cx="301660" cy="369332"/>
-          </a:xfrm>
-          <a:prstGeom prst="rect">
-            <a:avLst/>
-          </a:prstGeom>
-          <a:noFill/>
-        </p:spPr>
-        <p:txBody>
-          <a:bodyPr wrap="none" rtlCol="0">
-            <a:spAutoFit/>
-          </a:bodyPr>
-          <a:lstStyle/>
-          <a:p>
-            <a:r>
-              <a:rPr kumimoji="1" lang="en-US" altLang="zh-CN" dirty="0" smtClean="0">
-                <a:latin typeface="华文仿宋"/>
-                <a:ea typeface="华文仿宋"/>
-                <a:cs typeface="华文仿宋"/>
-              </a:rPr>
-              <a:t>8</a:t>
-            </a:r>
-            <a:endParaRPr kumimoji="1" lang="zh-CN" altLang="en-US" dirty="0">
-              <a:latin typeface="华文仿宋"/>
-              <a:ea typeface="华文仿宋"/>
-              <a:cs typeface="华文仿宋"/>
-            </a:endParaRPr>
-          </a:p>
-        </p:txBody>
-      </p:sp>
-      <p:sp>
-        <p:nvSpPr>
-          <p:cNvPr id="48" name="文本框 47"/>
-          <p:cNvSpPr txBox="1"/>
-          <p:nvPr/>
-        </p:nvSpPr>
-        <p:spPr>
-          <a:xfrm>
-            <a:off x="1971675" y="1916668"/>
-            <a:ext cx="301660" cy="369332"/>
-          </a:xfrm>
-          <a:prstGeom prst="rect">
-            <a:avLst/>
-          </a:prstGeom>
-          <a:noFill/>
-        </p:spPr>
-        <p:txBody>
-          <a:bodyPr wrap="none" rtlCol="0">
-            <a:spAutoFit/>
-          </a:bodyPr>
-          <a:lstStyle/>
-          <a:p>
-            <a:r>
-              <a:rPr kumimoji="1" lang="en-US" altLang="zh-CN" dirty="0" smtClean="0">
-                <a:latin typeface="华文仿宋"/>
-                <a:ea typeface="华文仿宋"/>
-                <a:cs typeface="华文仿宋"/>
-              </a:rPr>
-              <a:t>9</a:t>
-            </a:r>
-            <a:endParaRPr kumimoji="1" lang="zh-CN" altLang="en-US" dirty="0">
-              <a:latin typeface="华文仿宋"/>
-              <a:ea typeface="华文仿宋"/>
-              <a:cs typeface="华文仿宋"/>
-            </a:endParaRPr>
-          </a:p>
-        </p:txBody>
-      </p:sp>
-      <p:sp>
-        <p:nvSpPr>
-          <p:cNvPr id="49" name="文本框 48"/>
-          <p:cNvSpPr txBox="1"/>
-          <p:nvPr/>
-        </p:nvSpPr>
-        <p:spPr>
-          <a:xfrm>
-            <a:off x="7461983" y="1957642"/>
-            <a:ext cx="401184" cy="369332"/>
-          </a:xfrm>
-          <a:prstGeom prst="rect">
-            <a:avLst/>
-          </a:prstGeom>
-          <a:noFill/>
-        </p:spPr>
-        <p:txBody>
-          <a:bodyPr wrap="none" rtlCol="0">
-            <a:spAutoFit/>
-          </a:bodyPr>
-          <a:lstStyle/>
-          <a:p>
-            <a:r>
-              <a:rPr kumimoji="1" lang="en-US" altLang="zh-CN" dirty="0" smtClean="0">
-                <a:latin typeface="华文仿宋"/>
-                <a:ea typeface="华文仿宋"/>
-                <a:cs typeface="华文仿宋"/>
-              </a:rPr>
-              <a:t>10</a:t>
-            </a:r>
-            <a:endParaRPr kumimoji="1" lang="zh-CN" altLang="en-US" dirty="0">
-              <a:latin typeface="华文仿宋"/>
-              <a:ea typeface="华文仿宋"/>
-              <a:cs typeface="华文仿宋"/>
-            </a:endParaRPr>
-          </a:p>
-        </p:txBody>
-      </p:sp>
-      <p:sp>
-        <p:nvSpPr>
-          <p:cNvPr id="50" name="文本框 49"/>
-          <p:cNvSpPr txBox="1"/>
-          <p:nvPr/>
-        </p:nvSpPr>
-        <p:spPr>
-          <a:xfrm>
-            <a:off x="8360752" y="1957642"/>
-            <a:ext cx="401184" cy="369332"/>
-          </a:xfrm>
-          <a:prstGeom prst="rect">
-            <a:avLst/>
-          </a:prstGeom>
-          <a:noFill/>
-        </p:spPr>
-        <p:txBody>
-          <a:bodyPr wrap="none" rtlCol="0">
-            <a:spAutoFit/>
-          </a:bodyPr>
-          <a:lstStyle/>
-          <a:p>
-            <a:r>
-              <a:rPr kumimoji="1" lang="en-US" altLang="zh-CN" dirty="0" smtClean="0">
-                <a:latin typeface="华文仿宋"/>
-                <a:ea typeface="华文仿宋"/>
-                <a:cs typeface="华文仿宋"/>
-              </a:rPr>
-              <a:t>11</a:t>
-            </a:r>
-            <a:endParaRPr kumimoji="1" lang="zh-CN" altLang="en-US" dirty="0">
-              <a:latin typeface="华文仿宋"/>
-              <a:ea typeface="华文仿宋"/>
-              <a:cs typeface="华文仿宋"/>
-            </a:endParaRPr>
-          </a:p>
-        </p:txBody>
-      </p:sp>
-      <p:sp>
-        <p:nvSpPr>
-          <p:cNvPr id="51" name="文本框 50"/>
-          <p:cNvSpPr txBox="1"/>
-          <p:nvPr/>
-        </p:nvSpPr>
-        <p:spPr>
-          <a:xfrm>
-            <a:off x="7461983" y="2413541"/>
-            <a:ext cx="401184" cy="369332"/>
-          </a:xfrm>
-          <a:prstGeom prst="rect">
-            <a:avLst/>
-          </a:prstGeom>
-          <a:noFill/>
-        </p:spPr>
-        <p:txBody>
-          <a:bodyPr wrap="none" rtlCol="0">
-            <a:spAutoFit/>
-          </a:bodyPr>
-          <a:lstStyle/>
-          <a:p>
-            <a:r>
-              <a:rPr kumimoji="1" lang="en-US" altLang="zh-CN" dirty="0" smtClean="0">
-                <a:latin typeface="华文仿宋"/>
-                <a:ea typeface="华文仿宋"/>
-                <a:cs typeface="华文仿宋"/>
-              </a:rPr>
-              <a:t>12</a:t>
-            </a:r>
-            <a:endParaRPr kumimoji="1" lang="zh-CN" altLang="en-US" dirty="0">
-              <a:latin typeface="华文仿宋"/>
-              <a:ea typeface="华文仿宋"/>
-              <a:cs typeface="华文仿宋"/>
-            </a:endParaRPr>
-          </a:p>
-        </p:txBody>
-      </p:sp>
-      <p:sp>
-        <p:nvSpPr>
-          <p:cNvPr id="52" name="文本框 51"/>
-          <p:cNvSpPr txBox="1"/>
-          <p:nvPr/>
-        </p:nvSpPr>
-        <p:spPr>
-          <a:xfrm>
-            <a:off x="8360752" y="2423304"/>
-            <a:ext cx="401184" cy="369332"/>
-          </a:xfrm>
-          <a:prstGeom prst="rect">
-            <a:avLst/>
-          </a:prstGeom>
-          <a:noFill/>
-        </p:spPr>
-        <p:txBody>
-          <a:bodyPr wrap="none" rtlCol="0">
-            <a:spAutoFit/>
-          </a:bodyPr>
-          <a:lstStyle/>
-          <a:p>
-            <a:r>
-              <a:rPr kumimoji="1" lang="en-US" altLang="zh-CN" dirty="0" smtClean="0">
-                <a:latin typeface="华文仿宋"/>
-                <a:ea typeface="华文仿宋"/>
-                <a:cs typeface="华文仿宋"/>
-              </a:rPr>
-              <a:t>13</a:t>
-            </a:r>
-            <a:endParaRPr kumimoji="1" lang="zh-CN" altLang="en-US" dirty="0">
-              <a:latin typeface="华文仿宋"/>
-              <a:ea typeface="华文仿宋"/>
-              <a:cs typeface="华文仿宋"/>
-            </a:endParaRPr>
-          </a:p>
-        </p:txBody>
-      </p:sp>
-      <p:sp>
-        <p:nvSpPr>
-          <p:cNvPr id="58" name="文本框 57"/>
-          <p:cNvSpPr txBox="1"/>
-          <p:nvPr/>
-        </p:nvSpPr>
-        <p:spPr>
-          <a:xfrm>
-            <a:off x="7461983" y="4909557"/>
-            <a:ext cx="401184" cy="369332"/>
-          </a:xfrm>
-          <a:prstGeom prst="rect">
-            <a:avLst/>
-          </a:prstGeom>
-          <a:noFill/>
-        </p:spPr>
-        <p:txBody>
-          <a:bodyPr wrap="none" rtlCol="0">
-            <a:spAutoFit/>
-          </a:bodyPr>
-          <a:lstStyle/>
-          <a:p>
-            <a:r>
-              <a:rPr kumimoji="1" lang="en-US" altLang="zh-CN" dirty="0" smtClean="0">
-                <a:latin typeface="华文仿宋"/>
-                <a:ea typeface="华文仿宋"/>
-                <a:cs typeface="华文仿宋"/>
-              </a:rPr>
-              <a:t>14</a:t>
-            </a:r>
-            <a:endParaRPr kumimoji="1" lang="zh-CN" altLang="en-US" dirty="0">
-              <a:latin typeface="华文仿宋"/>
-              <a:ea typeface="华文仿宋"/>
-              <a:cs typeface="华文仿宋"/>
-            </a:endParaRPr>
-          </a:p>
-        </p:txBody>
-      </p:sp>
-      <p:sp>
-        <p:nvSpPr>
-          <p:cNvPr id="59" name="文本框 58"/>
-          <p:cNvSpPr txBox="1"/>
-          <p:nvPr/>
-        </p:nvSpPr>
-        <p:spPr>
-          <a:xfrm>
-            <a:off x="8360876" y="4909557"/>
-            <a:ext cx="401184" cy="369332"/>
-          </a:xfrm>
-          <a:prstGeom prst="rect">
-            <a:avLst/>
-          </a:prstGeom>
-          <a:noFill/>
-        </p:spPr>
-        <p:txBody>
-          <a:bodyPr wrap="none" rtlCol="0">
-            <a:spAutoFit/>
-          </a:bodyPr>
-          <a:lstStyle/>
-          <a:p>
-            <a:r>
-              <a:rPr kumimoji="1" lang="en-US" altLang="zh-CN" dirty="0" smtClean="0">
-                <a:latin typeface="华文仿宋"/>
-                <a:ea typeface="华文仿宋"/>
-                <a:cs typeface="华文仿宋"/>
-              </a:rPr>
-              <a:t>15</a:t>
-            </a:r>
-            <a:endParaRPr kumimoji="1" lang="zh-CN" altLang="en-US" dirty="0">
-              <a:latin typeface="华文仿宋"/>
-              <a:ea typeface="华文仿宋"/>
-              <a:cs typeface="华文仿宋"/>
-            </a:endParaRPr>
-          </a:p>
-        </p:txBody>
-      </p:sp>
-      <p:sp>
-        <p:nvSpPr>
-          <p:cNvPr id="60" name="文本框 59"/>
-          <p:cNvSpPr txBox="1"/>
-          <p:nvPr/>
-        </p:nvSpPr>
-        <p:spPr>
-          <a:xfrm>
-            <a:off x="7461983" y="5343766"/>
-            <a:ext cx="401184" cy="369332"/>
-          </a:xfrm>
-          <a:prstGeom prst="rect">
-            <a:avLst/>
-          </a:prstGeom>
-          <a:noFill/>
-        </p:spPr>
-        <p:txBody>
-          <a:bodyPr wrap="none" rtlCol="0">
-            <a:spAutoFit/>
-          </a:bodyPr>
-          <a:lstStyle/>
-          <a:p>
-            <a:r>
-              <a:rPr kumimoji="1" lang="en-US" altLang="zh-CN" dirty="0" smtClean="0">
-                <a:latin typeface="华文仿宋"/>
-                <a:ea typeface="华文仿宋"/>
-                <a:cs typeface="华文仿宋"/>
-              </a:rPr>
-              <a:t>16</a:t>
-            </a:r>
-            <a:endParaRPr kumimoji="1" lang="zh-CN" altLang="en-US" dirty="0">
-              <a:latin typeface="华文仿宋"/>
-              <a:ea typeface="华文仿宋"/>
-              <a:cs typeface="华文仿宋"/>
-            </a:endParaRPr>
-          </a:p>
-        </p:txBody>
-      </p:sp>
-      <p:sp>
-        <p:nvSpPr>
-          <p:cNvPr id="61" name="文本框 60"/>
-          <p:cNvSpPr txBox="1"/>
-          <p:nvPr/>
-        </p:nvSpPr>
-        <p:spPr>
-          <a:xfrm>
-            <a:off x="8360752" y="5343766"/>
-            <a:ext cx="401184" cy="369332"/>
-          </a:xfrm>
-          <a:prstGeom prst="rect">
-            <a:avLst/>
-          </a:prstGeom>
-          <a:noFill/>
-        </p:spPr>
-        <p:txBody>
-          <a:bodyPr wrap="none" rtlCol="0">
-            <a:spAutoFit/>
-          </a:bodyPr>
-          <a:lstStyle/>
-          <a:p>
-            <a:r>
-              <a:rPr kumimoji="1" lang="en-US" altLang="zh-CN" dirty="0" smtClean="0">
-                <a:latin typeface="华文仿宋"/>
-                <a:ea typeface="华文仿宋"/>
-                <a:cs typeface="华文仿宋"/>
-              </a:rPr>
-              <a:t>17</a:t>
-            </a:r>
-            <a:endParaRPr kumimoji="1" lang="zh-CN" altLang="en-US" dirty="0">
-              <a:latin typeface="华文仿宋"/>
-              <a:ea typeface="华文仿宋"/>
-              <a:cs typeface="华文仿宋"/>
-            </a:endParaRPr>
-          </a:p>
-        </p:txBody>
-      </p:sp>
-      <p:sp>
-        <p:nvSpPr>
-          <p:cNvPr id="62" name="文本框 61"/>
-          <p:cNvSpPr txBox="1"/>
-          <p:nvPr/>
-        </p:nvSpPr>
-        <p:spPr>
-          <a:xfrm>
-            <a:off x="3059316" y="104204"/>
-            <a:ext cx="401184" cy="369332"/>
-          </a:xfrm>
-          <a:prstGeom prst="rect">
-            <a:avLst/>
-          </a:prstGeom>
-          <a:noFill/>
-        </p:spPr>
-        <p:txBody>
-          <a:bodyPr wrap="none" rtlCol="0">
-            <a:spAutoFit/>
-          </a:bodyPr>
-          <a:lstStyle/>
-          <a:p>
-            <a:r>
-              <a:rPr kumimoji="1" lang="en-US" altLang="zh-CN" dirty="0" smtClean="0">
-                <a:latin typeface="华文仿宋"/>
-                <a:ea typeface="华文仿宋"/>
-                <a:cs typeface="华文仿宋"/>
-              </a:rPr>
-              <a:t>18</a:t>
-            </a:r>
-            <a:endParaRPr kumimoji="1" lang="zh-CN" altLang="en-US" dirty="0">
-              <a:latin typeface="华文仿宋"/>
-              <a:ea typeface="华文仿宋"/>
-              <a:cs typeface="华文仿宋"/>
-            </a:endParaRPr>
-          </a:p>
-        </p:txBody>
-      </p:sp>
-      <p:sp>
-        <p:nvSpPr>
-          <p:cNvPr id="63" name="文本框 62"/>
-          <p:cNvSpPr txBox="1"/>
-          <p:nvPr/>
-        </p:nvSpPr>
-        <p:spPr>
-          <a:xfrm>
-            <a:off x="4589829" y="104204"/>
-            <a:ext cx="401184" cy="369332"/>
-          </a:xfrm>
-          <a:prstGeom prst="rect">
-            <a:avLst/>
-          </a:prstGeom>
-          <a:noFill/>
-        </p:spPr>
-        <p:txBody>
-          <a:bodyPr wrap="none" rtlCol="0">
-            <a:spAutoFit/>
-          </a:bodyPr>
-          <a:lstStyle/>
-          <a:p>
-            <a:r>
-              <a:rPr kumimoji="1" lang="en-US" altLang="zh-CN" dirty="0" smtClean="0">
-                <a:latin typeface="华文仿宋"/>
-                <a:ea typeface="华文仿宋"/>
-                <a:cs typeface="华文仿宋"/>
-              </a:rPr>
-              <a:t>19</a:t>
             </a:r>
             <a:endParaRPr kumimoji="1" lang="zh-CN" altLang="en-US" dirty="0">
               <a:latin typeface="华文仿宋"/>
@@ -5041,4 +5719,324 @@
   </a:objectDefaults>
   <a:extraClrSchemeLst/>
 </a:theme>
+</file>
+
+<file path=ppt/theme/theme2.xml><?xml version="1.0" encoding="utf-8"?>
+<a:theme xmlns:a="http://schemas.openxmlformats.org/drawingml/2006/main" name="Office 主题">
+  <a:themeElements>
+    <a:clrScheme name="办公室">
+      <a:dk1>
+        <a:sysClr val="windowText" lastClr="000000"/>
+      </a:dk1>
+      <a:lt1>
+        <a:sysClr val="window" lastClr="FFFFFF"/>
+      </a:lt1>
+      <a:dk2>
+        <a:srgbClr val="1F497D"/>
+      </a:dk2>
+      <a:lt2>
+        <a:srgbClr val="EEECE1"/>
+      </a:lt2>
+      <a:accent1>
+        <a:srgbClr val="4F81BD"/>
+      </a:accent1>
+      <a:accent2>
+        <a:srgbClr val="C0504D"/>
+      </a:accent2>
+      <a:accent3>
+        <a:srgbClr val="9BBB59"/>
+      </a:accent3>
+      <a:accent4>
+        <a:srgbClr val="8064A2"/>
+      </a:accent4>
+      <a:accent5>
+        <a:srgbClr val="4BACC6"/>
+      </a:accent5>
+      <a:accent6>
+        <a:srgbClr val="F79646"/>
+      </a:accent6>
+      <a:hlink>
+        <a:srgbClr val="0000FF"/>
+      </a:hlink>
+      <a:folHlink>
+        <a:srgbClr val="800080"/>
+      </a:folHlink>
+    </a:clrScheme>
+    <a:fontScheme name="办公室">
+      <a:majorFont>
+        <a:latin typeface="Calibri"/>
+        <a:ea typeface=""/>
+        <a:cs typeface=""/>
+        <a:font script="Jpan" typeface="ＭＳ Ｐゴシック"/>
+        <a:font script="Hang" typeface="맑은 고딕"/>
+        <a:font script="Hans" typeface="宋体"/>
+        <a:font script="Hant" typeface="新細明體"/>
+        <a:font script="Arab" typeface="Times New Roman"/>
+        <a:font script="Hebr" typeface="Times New Roman"/>
+        <a:font script="Thai" typeface="Angsana New"/>
+        <a:font script="Ethi" typeface="Nyala"/>
+        <a:font script="Beng" typeface="Vrinda"/>
+        <a:font script="Gujr" typeface="Shruti"/>
+        <a:font script="Khmr" typeface="MoolBoran"/>
+        <a:font script="Knda" typeface="Tunga"/>
+        <a:font script="Guru" typeface="Raavi"/>
+        <a:font script="Cans" typeface="Euphemia"/>
+        <a:font script="Cher" typeface="Plantagenet Cherokee"/>
+        <a:font script="Yiii" typeface="Microsoft Yi Baiti"/>
+        <a:font script="Tibt" typeface="Microsoft Himalaya"/>
+        <a:font script="Thaa" typeface="MV Boli"/>
+        <a:font script="Deva" typeface="Mangal"/>
+        <a:font script="Telu" typeface="Gautami"/>
+        <a:font script="Taml" typeface="Latha"/>
+        <a:font script="Syrc" typeface="Estrangelo Edessa"/>
+        <a:font script="Orya" typeface="Kalinga"/>
+        <a:font script="Mlym" typeface="Kartika"/>
+        <a:font script="Laoo" typeface="DokChampa"/>
+        <a:font script="Sinh" typeface="Iskoola Pota"/>
+        <a:font script="Mong" typeface="Mongolian Baiti"/>
+        <a:font script="Viet" typeface="Times New Roman"/>
+        <a:font script="Uigh" typeface="Microsoft Uighur"/>
+        <a:font script="Geor" typeface="Sylfaen"/>
+      </a:majorFont>
+      <a:minorFont>
+        <a:latin typeface="Calibri"/>
+        <a:ea typeface=""/>
+        <a:cs typeface=""/>
+        <a:font script="Jpan" typeface="ＭＳ Ｐゴシック"/>
+        <a:font script="Hang" typeface="맑은 고딕"/>
+        <a:font script="Hans" typeface="宋体"/>
+        <a:font script="Hant" typeface="新細明體"/>
+        <a:font script="Arab" typeface="Arial"/>
+        <a:font script="Hebr" typeface="Arial"/>
+        <a:font script="Thai" typeface="Cordia New"/>
+        <a:font script="Ethi" typeface="Nyala"/>
+        <a:font script="Beng" typeface="Vrinda"/>
+        <a:font script="Gujr" typeface="Shruti"/>
+        <a:font script="Khmr" typeface="DaunPenh"/>
+        <a:font script="Knda" typeface="Tunga"/>
+        <a:font script="Guru" typeface="Raavi"/>
+        <a:font script="Cans" typeface="Euphemia"/>
+        <a:font script="Cher" typeface="Plantagenet Cherokee"/>
+        <a:font script="Yiii" typeface="Microsoft Yi Baiti"/>
+        <a:font script="Tibt" typeface="Microsoft Himalaya"/>
+        <a:font script="Thaa" typeface="MV Boli"/>
+        <a:font script="Deva" typeface="Mangal"/>
+        <a:font script="Telu" typeface="Gautami"/>
+        <a:font script="Taml" typeface="Latha"/>
+        <a:font script="Syrc" typeface="Estrangelo Edessa"/>
+        <a:font script="Orya" typeface="Kalinga"/>
+        <a:font script="Mlym" typeface="Kartika"/>
+        <a:font script="Laoo" typeface="DokChampa"/>
+        <a:font script="Sinh" typeface="Iskoola Pota"/>
+        <a:font script="Mong" typeface="Mongolian Baiti"/>
+        <a:font script="Viet" typeface="Arial"/>
+        <a:font script="Uigh" typeface="Microsoft Uighur"/>
+        <a:font script="Geor" typeface="Sylfaen"/>
+      </a:minorFont>
+    </a:fontScheme>
+    <a:fmtScheme name="办公室">
+      <a:fillStyleLst>
+        <a:solidFill>
+          <a:schemeClr val="phClr"/>
+        </a:solidFill>
+        <a:gradFill rotWithShape="1">
+          <a:gsLst>
+            <a:gs pos="0">
+              <a:schemeClr val="phClr">
+                <a:tint val="50000"/>
+                <a:satMod val="300000"/>
+              </a:schemeClr>
+            </a:gs>
+            <a:gs pos="35000">
+              <a:schemeClr val="phClr">
+                <a:tint val="37000"/>
+                <a:satMod val="300000"/>
+              </a:schemeClr>
+            </a:gs>
+            <a:gs pos="100000">
+              <a:schemeClr val="phClr">
+                <a:tint val="15000"/>
+                <a:satMod val="350000"/>
+              </a:schemeClr>
+            </a:gs>
+          </a:gsLst>
+          <a:lin ang="16200000" scaled="1"/>
+        </a:gradFill>
+        <a:gradFill rotWithShape="1">
+          <a:gsLst>
+            <a:gs pos="0">
+              <a:schemeClr val="phClr">
+                <a:tint val="100000"/>
+                <a:shade val="100000"/>
+                <a:satMod val="130000"/>
+              </a:schemeClr>
+            </a:gs>
+            <a:gs pos="100000">
+              <a:schemeClr val="phClr">
+                <a:tint val="50000"/>
+                <a:shade val="100000"/>
+                <a:satMod val="350000"/>
+              </a:schemeClr>
+            </a:gs>
+          </a:gsLst>
+          <a:lin ang="16200000" scaled="0"/>
+        </a:gradFill>
+      </a:fillStyleLst>
+      <a:lnStyleLst>
+        <a:ln w="9525" cap="flat" cmpd="sng" algn="ctr">
+          <a:solidFill>
+            <a:schemeClr val="phClr">
+              <a:shade val="95000"/>
+              <a:satMod val="105000"/>
+            </a:schemeClr>
+          </a:solidFill>
+          <a:prstDash val="solid"/>
+        </a:ln>
+        <a:ln w="25400" cap="flat" cmpd="sng" algn="ctr">
+          <a:solidFill>
+            <a:schemeClr val="phClr"/>
+          </a:solidFill>
+          <a:prstDash val="solid"/>
+        </a:ln>
+        <a:ln w="38100" cap="flat" cmpd="sng" algn="ctr">
+          <a:solidFill>
+            <a:schemeClr val="phClr"/>
+          </a:solidFill>
+          <a:prstDash val="solid"/>
+        </a:ln>
+      </a:lnStyleLst>
+      <a:effectStyleLst>
+        <a:effectStyle>
+          <a:effectLst>
+            <a:outerShdw blurRad="40000" dist="20000" dir="5400000" rotWithShape="0">
+              <a:srgbClr val="000000">
+                <a:alpha val="38000"/>
+              </a:srgbClr>
+            </a:outerShdw>
+          </a:effectLst>
+        </a:effectStyle>
+        <a:effectStyle>
+          <a:effectLst>
+            <a:outerShdw blurRad="40000" dist="23000" dir="5400000" rotWithShape="0">
+              <a:srgbClr val="000000">
+                <a:alpha val="35000"/>
+              </a:srgbClr>
+            </a:outerShdw>
+          </a:effectLst>
+        </a:effectStyle>
+        <a:effectStyle>
+          <a:effectLst>
+            <a:outerShdw blurRad="40000" dist="23000" dir="5400000" rotWithShape="0">
+              <a:srgbClr val="000000">
+                <a:alpha val="35000"/>
+              </a:srgbClr>
+            </a:outerShdw>
+          </a:effectLst>
+          <a:scene3d>
+            <a:camera prst="orthographicFront">
+              <a:rot lat="0" lon="0" rev="0"/>
+            </a:camera>
+            <a:lightRig rig="threePt" dir="t">
+              <a:rot lat="0" lon="0" rev="1200000"/>
+            </a:lightRig>
+          </a:scene3d>
+          <a:sp3d>
+            <a:bevelT w="63500" h="25400"/>
+          </a:sp3d>
+        </a:effectStyle>
+      </a:effectStyleLst>
+      <a:bgFillStyleLst>
+        <a:solidFill>
+          <a:schemeClr val="phClr"/>
+        </a:solidFill>
+        <a:gradFill rotWithShape="1">
+          <a:gsLst>
+            <a:gs pos="0">
+              <a:schemeClr val="phClr">
+                <a:tint val="40000"/>
+                <a:satMod val="350000"/>
+              </a:schemeClr>
+            </a:gs>
+            <a:gs pos="40000">
+              <a:schemeClr val="phClr">
+                <a:tint val="45000"/>
+                <a:shade val="99000"/>
+                <a:satMod val="350000"/>
+              </a:schemeClr>
+            </a:gs>
+            <a:gs pos="100000">
+              <a:schemeClr val="phClr">
+                <a:shade val="20000"/>
+                <a:satMod val="255000"/>
+              </a:schemeClr>
+            </a:gs>
+          </a:gsLst>
+          <a:path path="circle">
+            <a:fillToRect l="50000" t="-80000" r="50000" b="180000"/>
+          </a:path>
+        </a:gradFill>
+        <a:gradFill rotWithShape="1">
+          <a:gsLst>
+            <a:gs pos="0">
+              <a:schemeClr val="phClr">
+                <a:tint val="80000"/>
+                <a:satMod val="300000"/>
+              </a:schemeClr>
+            </a:gs>
+            <a:gs pos="100000">
+              <a:schemeClr val="phClr">
+                <a:shade val="30000"/>
+                <a:satMod val="200000"/>
+              </a:schemeClr>
+            </a:gs>
+          </a:gsLst>
+          <a:path path="circle">
+            <a:fillToRect l="50000" t="50000" r="50000" b="50000"/>
+          </a:path>
+        </a:gradFill>
+      </a:bgFillStyleLst>
+    </a:fmtScheme>
+  </a:themeElements>
+  <a:objectDefaults>
+    <a:spDef>
+      <a:spPr/>
+      <a:bodyPr/>
+      <a:lstStyle/>
+      <a:style>
+        <a:lnRef idx="1">
+          <a:schemeClr val="accent1"/>
+        </a:lnRef>
+        <a:fillRef idx="3">
+          <a:schemeClr val="accent1"/>
+        </a:fillRef>
+        <a:effectRef idx="2">
+          <a:schemeClr val="accent1"/>
+        </a:effectRef>
+        <a:fontRef idx="minor">
+          <a:schemeClr val="lt1"/>
+        </a:fontRef>
+      </a:style>
+    </a:spDef>
+    <a:lnDef>
+      <a:spPr/>
+      <a:bodyPr/>
+      <a:lstStyle/>
+      <a:style>
+        <a:lnRef idx="2">
+          <a:schemeClr val="accent1"/>
+        </a:lnRef>
+        <a:fillRef idx="0">
+          <a:schemeClr val="accent1"/>
+        </a:fillRef>
+        <a:effectRef idx="1">
+          <a:schemeClr val="accent1"/>
+        </a:effectRef>
+        <a:fontRef idx="minor">
+          <a:schemeClr val="tx1"/>
+        </a:fontRef>
+      </a:style>
+    </a:lnDef>
+  </a:objectDefaults>
+  <a:extraClrSchemeLst/>
+</a:theme>
 </file>
--- a/训练中心创客交叉融合空间建设/admin/新大楼规划建设/创客场地申请/老楼创客空间团队室.pptx
+++ b/训练中心创客交叉融合空间建设/admin/新大楼规划建设/创客场地申请/老楼创客空间团队室.pptx
@@ -192,7 +192,7 @@
           <a:p>
             <a:fld id="{6ECD8F5A-D76D-994D-8C7A-2BF7180778CC}" type="datetimeFigureOut">
               <a:rPr kumimoji="1" lang="zh-CN" altLang="en-US" smtClean="0"/>
-              <a:t>15/10/9</a:t>
+              <a:t>15/10/10</a:t>
             </a:fld>
             <a:endParaRPr kumimoji="1" lang="zh-CN" altLang="en-US"/>
           </a:p>
@@ -725,7 +725,7 @@
           <a:p>
             <a:fld id="{DAB4C2F4-32BC-924F-A307-999B4B6E7A88}" type="datetimeFigureOut">
               <a:rPr kumimoji="1" lang="zh-CN" altLang="en-US" smtClean="0"/>
-              <a:t>15/10/9</a:t>
+              <a:t>15/10/10</a:t>
             </a:fld>
             <a:endParaRPr kumimoji="1" lang="zh-CN" altLang="en-US"/>
           </a:p>
@@ -895,7 +895,7 @@
           <a:p>
             <a:fld id="{DAB4C2F4-32BC-924F-A307-999B4B6E7A88}" type="datetimeFigureOut">
               <a:rPr kumimoji="1" lang="zh-CN" altLang="en-US" smtClean="0"/>
-              <a:t>15/10/9</a:t>
+              <a:t>15/10/10</a:t>
             </a:fld>
             <a:endParaRPr kumimoji="1" lang="zh-CN" altLang="en-US"/>
           </a:p>
@@ -1075,7 +1075,7 @@
           <a:p>
             <a:fld id="{DAB4C2F4-32BC-924F-A307-999B4B6E7A88}" type="datetimeFigureOut">
               <a:rPr kumimoji="1" lang="zh-CN" altLang="en-US" smtClean="0"/>
-              <a:t>15/10/9</a:t>
+              <a:t>15/10/10</a:t>
             </a:fld>
             <a:endParaRPr kumimoji="1" lang="zh-CN" altLang="en-US"/>
           </a:p>
@@ -1245,7 +1245,7 @@
           <a:p>
             <a:fld id="{DAB4C2F4-32BC-924F-A307-999B4B6E7A88}" type="datetimeFigureOut">
               <a:rPr kumimoji="1" lang="zh-CN" altLang="en-US" smtClean="0"/>
-              <a:t>15/10/9</a:t>
+              <a:t>15/10/10</a:t>
             </a:fld>
             <a:endParaRPr kumimoji="1" lang="zh-CN" altLang="en-US"/>
           </a:p>
@@ -1491,7 +1491,7 @@
           <a:p>
             <a:fld id="{DAB4C2F4-32BC-924F-A307-999B4B6E7A88}" type="datetimeFigureOut">
               <a:rPr kumimoji="1" lang="zh-CN" altLang="en-US" smtClean="0"/>
-              <a:t>15/10/9</a:t>
+              <a:t>15/10/10</a:t>
             </a:fld>
             <a:endParaRPr kumimoji="1" lang="zh-CN" altLang="en-US"/>
           </a:p>
@@ -1779,7 +1779,7 @@
           <a:p>
             <a:fld id="{DAB4C2F4-32BC-924F-A307-999B4B6E7A88}" type="datetimeFigureOut">
               <a:rPr kumimoji="1" lang="zh-CN" altLang="en-US" smtClean="0"/>
-              <a:t>15/10/9</a:t>
+              <a:t>15/10/10</a:t>
             </a:fld>
             <a:endParaRPr kumimoji="1" lang="zh-CN" altLang="en-US"/>
           </a:p>
@@ -2201,7 +2201,7 @@
           <a:p>
             <a:fld id="{DAB4C2F4-32BC-924F-A307-999B4B6E7A88}" type="datetimeFigureOut">
               <a:rPr kumimoji="1" lang="zh-CN" altLang="en-US" smtClean="0"/>
-              <a:t>15/10/9</a:t>
+              <a:t>15/10/10</a:t>
             </a:fld>
             <a:endParaRPr kumimoji="1" lang="zh-CN" altLang="en-US"/>
           </a:p>
@@ -2319,7 +2319,7 @@
           <a:p>
             <a:fld id="{DAB4C2F4-32BC-924F-A307-999B4B6E7A88}" type="datetimeFigureOut">
               <a:rPr kumimoji="1" lang="zh-CN" altLang="en-US" smtClean="0"/>
-              <a:t>15/10/9</a:t>
+              <a:t>15/10/10</a:t>
             </a:fld>
             <a:endParaRPr kumimoji="1" lang="zh-CN" altLang="en-US"/>
           </a:p>
@@ -2414,7 +2414,7 @@
           <a:p>
             <a:fld id="{DAB4C2F4-32BC-924F-A307-999B4B6E7A88}" type="datetimeFigureOut">
               <a:rPr kumimoji="1" lang="zh-CN" altLang="en-US" smtClean="0"/>
-              <a:t>15/10/9</a:t>
+              <a:t>15/10/10</a:t>
             </a:fld>
             <a:endParaRPr kumimoji="1" lang="zh-CN" altLang="en-US"/>
           </a:p>
@@ -2691,7 +2691,7 @@
           <a:p>
             <a:fld id="{DAB4C2F4-32BC-924F-A307-999B4B6E7A88}" type="datetimeFigureOut">
               <a:rPr kumimoji="1" lang="zh-CN" altLang="en-US" smtClean="0"/>
-              <a:t>15/10/9</a:t>
+              <a:t>15/10/10</a:t>
             </a:fld>
             <a:endParaRPr kumimoji="1" lang="zh-CN" altLang="en-US"/>
           </a:p>
@@ -2944,7 +2944,7 @@
           <a:p>
             <a:fld id="{DAB4C2F4-32BC-924F-A307-999B4B6E7A88}" type="datetimeFigureOut">
               <a:rPr kumimoji="1" lang="zh-CN" altLang="en-US" smtClean="0"/>
-              <a:t>15/10/9</a:t>
+              <a:t>15/10/10</a:t>
             </a:fld>
             <a:endParaRPr kumimoji="1" lang="zh-CN" altLang="en-US"/>
           </a:p>
@@ -3157,7 +3157,7 @@
           <a:p>
             <a:fld id="{DAB4C2F4-32BC-924F-A307-999B4B6E7A88}" type="datetimeFigureOut">
               <a:rPr kumimoji="1" lang="zh-CN" altLang="en-US" smtClean="0"/>
-              <a:t>15/10/9</a:t>
+              <a:t>15/10/10</a:t>
             </a:fld>
             <a:endParaRPr kumimoji="1" lang="zh-CN" altLang="en-US"/>
           </a:p>
@@ -4347,7 +4347,12 @@
           <a:prstGeom prst="rect">
             <a:avLst/>
           </a:prstGeom>
-          <a:noFill/>
+          <a:solidFill>
+            <a:schemeClr val="accent4">
+              <a:lumMod val="60000"/>
+              <a:lumOff val="40000"/>
+            </a:schemeClr>
+          </a:solidFill>
         </p:spPr>
         <p:txBody>
           <a:bodyPr wrap="none" rtlCol="0">
@@ -4385,7 +4390,12 @@
           <a:prstGeom prst="rect">
             <a:avLst/>
           </a:prstGeom>
-          <a:noFill/>
+          <a:solidFill>
+            <a:schemeClr val="accent4">
+              <a:lumMod val="60000"/>
+              <a:lumOff val="40000"/>
+            </a:schemeClr>
+          </a:solidFill>
         </p:spPr>
         <p:txBody>
           <a:bodyPr wrap="none" rtlCol="0">
@@ -4575,13 +4585,18 @@
         </p:nvSpPr>
         <p:spPr>
           <a:xfrm>
-            <a:off x="1919571" y="2620048"/>
+            <a:off x="1972034" y="2620048"/>
             <a:ext cx="292925" cy="369332"/>
           </a:xfrm>
           <a:prstGeom prst="rect">
             <a:avLst/>
           </a:prstGeom>
-          <a:noFill/>
+          <a:solidFill>
+            <a:schemeClr val="accent4">
+              <a:lumMod val="60000"/>
+              <a:lumOff val="40000"/>
+            </a:schemeClr>
+          </a:solidFill>
         </p:spPr>
         <p:txBody>
           <a:bodyPr wrap="none" rtlCol="0">
@@ -4619,7 +4634,12 @@
           <a:prstGeom prst="rect">
             <a:avLst/>
           </a:prstGeom>
-          <a:noFill/>
+          <a:solidFill>
+            <a:schemeClr val="accent4">
+              <a:lumMod val="60000"/>
+              <a:lumOff val="40000"/>
+            </a:schemeClr>
+          </a:solidFill>
         </p:spPr>
         <p:txBody>
           <a:bodyPr wrap="none" rtlCol="0">
@@ -4657,7 +4677,12 @@
           <a:prstGeom prst="rect">
             <a:avLst/>
           </a:prstGeom>
-          <a:noFill/>
+          <a:solidFill>
+            <a:schemeClr val="accent5">
+              <a:lumMod val="60000"/>
+              <a:lumOff val="40000"/>
+            </a:schemeClr>
+          </a:solidFill>
         </p:spPr>
         <p:txBody>
           <a:bodyPr wrap="none" rtlCol="0">
@@ -4695,7 +4720,12 @@
           <a:prstGeom prst="rect">
             <a:avLst/>
           </a:prstGeom>
-          <a:noFill/>
+          <a:solidFill>
+            <a:schemeClr val="accent5">
+              <a:lumMod val="60000"/>
+              <a:lumOff val="40000"/>
+            </a:schemeClr>
+          </a:solidFill>
         </p:spPr>
         <p:txBody>
           <a:bodyPr wrap="none" rtlCol="0">
@@ -4733,7 +4763,12 @@
           <a:prstGeom prst="rect">
             <a:avLst/>
           </a:prstGeom>
-          <a:noFill/>
+          <a:solidFill>
+            <a:schemeClr val="accent5">
+              <a:lumMod val="60000"/>
+              <a:lumOff val="40000"/>
+            </a:schemeClr>
+          </a:solidFill>
         </p:spPr>
         <p:txBody>
           <a:bodyPr wrap="none" rtlCol="0">
@@ -4771,7 +4806,12 @@
           <a:prstGeom prst="rect">
             <a:avLst/>
           </a:prstGeom>
-          <a:noFill/>
+          <a:solidFill>
+            <a:schemeClr val="accent5">
+              <a:lumMod val="60000"/>
+              <a:lumOff val="40000"/>
+            </a:schemeClr>
+          </a:solidFill>
         </p:spPr>
         <p:txBody>
           <a:bodyPr wrap="none" rtlCol="0">
@@ -5083,7 +5123,12 @@
           <a:prstGeom prst="rect">
             <a:avLst/>
           </a:prstGeom>
-          <a:noFill/>
+          <a:solidFill>
+            <a:schemeClr val="accent4">
+              <a:lumMod val="60000"/>
+              <a:lumOff val="40000"/>
+            </a:schemeClr>
+          </a:solidFill>
         </p:spPr>
         <p:txBody>
           <a:bodyPr wrap="none" rtlCol="0">
@@ -5121,7 +5166,12 @@
           <a:prstGeom prst="rect">
             <a:avLst/>
           </a:prstGeom>
-          <a:noFill/>
+          <a:solidFill>
+            <a:schemeClr val="accent4">
+              <a:lumMod val="60000"/>
+              <a:lumOff val="40000"/>
+            </a:schemeClr>
+          </a:solidFill>
         </p:spPr>
         <p:txBody>
           <a:bodyPr wrap="none" rtlCol="0">
@@ -5203,9 +5253,7 @@
             <a:schemeClr val="accent6"/>
           </a:solidFill>
           <a:ln w="12700" cmpd="sng">
-            <a:solidFill>
-              <a:schemeClr val="accent6"/>
-            </a:solidFill>
+            <a:noFill/>
           </a:ln>
           <a:effectLst/>
         </p:spPr>
@@ -5362,9 +5410,7 @@
           <a:prstGeom prst="rect">
             <a:avLst/>
           </a:prstGeom>
-          <a:solidFill>
-            <a:schemeClr val="accent6"/>
-          </a:solidFill>
+          <a:noFill/>
         </p:spPr>
         <p:txBody>
           <a:bodyPr wrap="none" rtlCol="0">
@@ -5384,6 +5430,160 @@
               <a:latin typeface="华文仿宋"/>
               <a:ea typeface="华文仿宋"/>
               <a:cs typeface="华文仿宋"/>
+            </a:endParaRPr>
+          </a:p>
+        </p:txBody>
+      </p:sp>
+      <p:sp>
+        <p:nvSpPr>
+          <p:cNvPr id="64" name="圆角矩形 63"/>
+          <p:cNvSpPr/>
+          <p:nvPr/>
+        </p:nvSpPr>
+        <p:spPr>
+          <a:xfrm>
+            <a:off x="7038330" y="1012721"/>
+            <a:ext cx="1455340" cy="475436"/>
+          </a:xfrm>
+          <a:prstGeom prst="roundRect">
+            <a:avLst/>
+          </a:prstGeom>
+          <a:solidFill>
+            <a:schemeClr val="accent5">
+              <a:lumMod val="60000"/>
+              <a:lumOff val="40000"/>
+            </a:schemeClr>
+          </a:solidFill>
+          <a:ln w="12700" cmpd="sng">
+            <a:noFill/>
+          </a:ln>
+          <a:effectLst/>
+        </p:spPr>
+        <p:style>
+          <a:lnRef idx="1">
+            <a:schemeClr val="accent1"/>
+          </a:lnRef>
+          <a:fillRef idx="3">
+            <a:schemeClr val="accent1"/>
+          </a:fillRef>
+          <a:effectRef idx="2">
+            <a:schemeClr val="accent1"/>
+          </a:effectRef>
+          <a:fontRef idx="minor">
+            <a:schemeClr val="lt1"/>
+          </a:fontRef>
+        </p:style>
+        <p:txBody>
+          <a:bodyPr rtlCol="0" anchor="ctr"/>
+          <a:lstStyle/>
+          <a:p>
+            <a:pPr algn="ctr"/>
+            <a:r>
+              <a:rPr kumimoji="1" lang="en-US" altLang="zh-CN" sz="1200" dirty="0" smtClean="0">
+                <a:solidFill>
+                  <a:schemeClr val="tx1"/>
+                </a:solidFill>
+                <a:latin typeface="Gill Sans"/>
+                <a:ea typeface="黑体"/>
+                <a:cs typeface="Gill Sans"/>
+              </a:rPr>
+              <a:t>Lab</a:t>
+            </a:r>
+            <a:r>
+              <a:rPr kumimoji="1" lang="el-GR" altLang="zh-CN" sz="1200" dirty="0" smtClean="0">
+                <a:solidFill>
+                  <a:schemeClr val="tx1"/>
+                </a:solidFill>
+                <a:latin typeface="Gill Sans"/>
+                <a:ea typeface="黑体"/>
+                <a:cs typeface="Gill Sans"/>
+              </a:rPr>
+              <a:t>μ</a:t>
+            </a:r>
+            <a:r>
+              <a:rPr kumimoji="1" lang="zh-CN" altLang="en-US" sz="1200" dirty="0" smtClean="0">
+                <a:solidFill>
+                  <a:schemeClr val="tx1"/>
+                </a:solidFill>
+                <a:latin typeface="Gill Sans"/>
+                <a:ea typeface="黑体"/>
+                <a:cs typeface="Gill Sans"/>
+              </a:rPr>
+              <a:t>校园极客社</a:t>
+            </a:r>
+            <a:endParaRPr kumimoji="1" lang="zh-CN" altLang="en-US" sz="1200" dirty="0">
+              <a:solidFill>
+                <a:schemeClr val="tx1"/>
+              </a:solidFill>
+              <a:latin typeface="Gill Sans"/>
+              <a:ea typeface="黑体"/>
+              <a:cs typeface="Gill Sans"/>
+            </a:endParaRPr>
+          </a:p>
+        </p:txBody>
+      </p:sp>
+      <p:sp>
+        <p:nvSpPr>
+          <p:cNvPr id="65" name="圆角矩形 64"/>
+          <p:cNvSpPr/>
+          <p:nvPr/>
+        </p:nvSpPr>
+        <p:spPr>
+          <a:xfrm>
+            <a:off x="2804960" y="1159437"/>
+            <a:ext cx="1104636" cy="485048"/>
+          </a:xfrm>
+          <a:prstGeom prst="roundRect">
+            <a:avLst/>
+          </a:prstGeom>
+          <a:solidFill>
+            <a:schemeClr val="accent4">
+              <a:lumMod val="60000"/>
+              <a:lumOff val="40000"/>
+            </a:schemeClr>
+          </a:solidFill>
+          <a:ln w="12700" cmpd="sng">
+            <a:noFill/>
+          </a:ln>
+          <a:effectLst/>
+        </p:spPr>
+        <p:style>
+          <a:lnRef idx="1">
+            <a:schemeClr val="accent1"/>
+          </a:lnRef>
+          <a:fillRef idx="3">
+            <a:schemeClr val="accent1"/>
+          </a:fillRef>
+          <a:effectRef idx="2">
+            <a:schemeClr val="accent1"/>
+          </a:effectRef>
+          <a:fontRef idx="minor">
+            <a:schemeClr val="lt1"/>
+          </a:fontRef>
+        </p:style>
+        <p:txBody>
+          <a:bodyPr rtlCol="0" anchor="ctr"/>
+          <a:lstStyle/>
+          <a:p>
+            <a:pPr algn="ctr"/>
+            <a:r>
+              <a:rPr kumimoji="1" lang="en-US" altLang="zh-CN" sz="1200" dirty="0" smtClean="0">
+                <a:solidFill>
+                  <a:schemeClr val="tx1"/>
+                </a:solidFill>
+                <a:latin typeface="Gill Sans"/>
+                <a:ea typeface="黑体"/>
+                <a:cs typeface="Gill Sans"/>
+              </a:rPr>
+              <a:t>TEDxTHU</a:t>
+            </a:r>
+            <a:endParaRPr kumimoji="1" lang="zh-CN" altLang="en-US" sz="1200" dirty="0">
+              <a:solidFill>
+                <a:schemeClr val="tx1"/>
+              </a:solidFill>
+              <a:latin typeface="Gill Sans"/>
+              <a:ea typeface="黑体"/>
+              <a:cs typeface="Gill Sans"/>
             </a:endParaRPr>
           </a:p>
         </p:txBody>
